--- a/為我.pptx
+++ b/為我.pptx
@@ -2,12 +2,12 @@
 <file path=ppt/presentation.xml><?xml version="1.0" encoding="utf-8"?>
 <p:presentation xmlns:a="http://schemas.openxmlformats.org/drawingml/2006/main" xmlns:r="http://schemas.openxmlformats.org/officeDocument/2006/relationships" xmlns:p="http://schemas.openxmlformats.org/presentationml/2006/main" saveSubsetFonts="1">
   <p:sldMasterIdLst>
-    <p:sldMasterId id="2147483648" r:id="rId1"/>
+    <p:sldMasterId id="2147483660" r:id="rId1"/>
   </p:sldMasterIdLst>
   <p:sldIdLst>
-    <p:sldId id="257" r:id="rId2"/>
-    <p:sldId id="258" r:id="rId3"/>
-    <p:sldId id="259" r:id="rId4"/>
+    <p:sldId id="256" r:id="rId2"/>
+    <p:sldId id="257" r:id="rId3"/>
+    <p:sldId id="258" r:id="rId4"/>
   </p:sldIdLst>
   <p:sldSz cx="9144000" cy="6858000" type="screen4x3"/>
   <p:notesSz cx="6858000" cy="9144000"/>
@@ -111,7 +111,7 @@
 
 <file path=ppt/slideLayouts/slideLayout1.xml><?xml version="1.0" encoding="utf-8"?>
 <p:sldLayout xmlns:a="http://schemas.openxmlformats.org/drawingml/2006/main" xmlns:r="http://schemas.openxmlformats.org/officeDocument/2006/relationships" xmlns:p="http://schemas.openxmlformats.org/presentationml/2006/main" type="title" preserve="1">
-  <p:cSld name="Title Slide">
+  <p:cSld name="標題投影片">
     <p:spTree>
       <p:nvGrpSpPr>
         <p:cNvPr id="1" name=""/>
@@ -128,7 +128,7 @@
       </p:grpSpPr>
       <p:sp>
         <p:nvSpPr>
-          <p:cNvPr id="2" name="Title 1"/>
+          <p:cNvPr id="2" name="標題 1"/>
           <p:cNvSpPr>
             <a:spLocks noGrp="1"/>
           </p:cNvSpPr>
@@ -147,16 +147,16 @@
           <a:lstStyle/>
           <a:p>
             <a:r>
-              <a:rPr lang="en-US" smtClean="0"/>
+              <a:rPr lang="en-US" altLang="zh-TW" smtClean="0"/>
               <a:t>Click to edit Master title style</a:t>
             </a:r>
-            <a:endParaRPr lang="en-US"/>
-          </a:p>
-        </p:txBody>
-      </p:sp>
-      <p:sp>
-        <p:nvSpPr>
-          <p:cNvPr id="3" name="Subtitle 2"/>
+            <a:endParaRPr lang="zh-TW" altLang="en-US"/>
+          </a:p>
+        </p:txBody>
+      </p:sp>
+      <p:sp>
+        <p:nvSpPr>
+          <p:cNvPr id="3" name="副標題 2"/>
           <p:cNvSpPr>
             <a:spLocks noGrp="1"/>
           </p:cNvSpPr>
@@ -266,16 +266,16 @@
           </a:lstStyle>
           <a:p>
             <a:r>
-              <a:rPr lang="en-US" smtClean="0"/>
+              <a:rPr lang="en-US" altLang="zh-TW" smtClean="0"/>
               <a:t>Click to edit Master subtitle style</a:t>
             </a:r>
-            <a:endParaRPr lang="en-US"/>
-          </a:p>
-        </p:txBody>
-      </p:sp>
-      <p:sp>
-        <p:nvSpPr>
-          <p:cNvPr id="4" name="Date Placeholder 3"/>
+            <a:endParaRPr lang="zh-TW" altLang="en-US"/>
+          </a:p>
+        </p:txBody>
+      </p:sp>
+      <p:sp>
+        <p:nvSpPr>
+          <p:cNvPr id="4" name="日期版面配置區 3"/>
           <p:cNvSpPr>
             <a:spLocks noGrp="1"/>
           </p:cNvSpPr>
@@ -290,7 +290,7 @@
           <a:p>
             <a:fld id="{FD6947A2-F02C-424A-9656-916B5CD7DE1B}" type="datetimeFigureOut">
               <a:rPr lang="en-US" smtClean="0"/>
-              <a:t>4/16/2019</a:t>
+              <a:t>4/17/2019</a:t>
             </a:fld>
             <a:endParaRPr lang="en-US"/>
           </a:p>
@@ -298,7 +298,7 @@
       </p:sp>
       <p:sp>
         <p:nvSpPr>
-          <p:cNvPr id="5" name="Footer Placeholder 4"/>
+          <p:cNvPr id="5" name="頁尾版面配置區 4"/>
           <p:cNvSpPr>
             <a:spLocks noGrp="1"/>
           </p:cNvSpPr>
@@ -317,7 +317,7 @@
       </p:sp>
       <p:sp>
         <p:nvSpPr>
-          <p:cNvPr id="6" name="Slide Number Placeholder 5"/>
+          <p:cNvPr id="6" name="投影片編號版面配置區 5"/>
           <p:cNvSpPr>
             <a:spLocks noGrp="1"/>
           </p:cNvSpPr>
@@ -339,11 +339,6 @@
         </p:txBody>
       </p:sp>
     </p:spTree>
-    <p:extLst>
-      <p:ext uri="{BB962C8B-B14F-4D97-AF65-F5344CB8AC3E}">
-        <p14:creationId xmlns:p14="http://schemas.microsoft.com/office/powerpoint/2010/main" val="1018292197"/>
-      </p:ext>
-    </p:extLst>
   </p:cSld>
   <p:clrMapOvr>
     <a:masterClrMapping/>
@@ -353,7 +348,7 @@
 
 <file path=ppt/slideLayouts/slideLayout10.xml><?xml version="1.0" encoding="utf-8"?>
 <p:sldLayout xmlns:a="http://schemas.openxmlformats.org/drawingml/2006/main" xmlns:r="http://schemas.openxmlformats.org/officeDocument/2006/relationships" xmlns:p="http://schemas.openxmlformats.org/presentationml/2006/main" type="vertTx" preserve="1">
-  <p:cSld name="Title and Vertical Text">
+  <p:cSld name="標題及直排文字">
     <p:spTree>
       <p:nvGrpSpPr>
         <p:cNvPr id="1" name=""/>
@@ -370,7 +365,7 @@
       </p:grpSpPr>
       <p:sp>
         <p:nvSpPr>
-          <p:cNvPr id="2" name="Title 1"/>
+          <p:cNvPr id="2" name="標題 1"/>
           <p:cNvSpPr>
             <a:spLocks noGrp="1"/>
           </p:cNvSpPr>
@@ -384,16 +379,16 @@
           <a:lstStyle/>
           <a:p>
             <a:r>
-              <a:rPr lang="en-US" smtClean="0"/>
+              <a:rPr lang="en-US" altLang="zh-TW" smtClean="0"/>
               <a:t>Click to edit Master title style</a:t>
             </a:r>
-            <a:endParaRPr lang="en-US"/>
-          </a:p>
-        </p:txBody>
-      </p:sp>
-      <p:sp>
-        <p:nvSpPr>
-          <p:cNvPr id="3" name="Vertical Text Placeholder 2"/>
+            <a:endParaRPr lang="zh-TW" altLang="en-US"/>
+          </a:p>
+        </p:txBody>
+      </p:sp>
+      <p:sp>
+        <p:nvSpPr>
+          <p:cNvPr id="3" name="直排文字版面配置區 2"/>
           <p:cNvSpPr>
             <a:spLocks noGrp="1"/>
           </p:cNvSpPr>
@@ -408,44 +403,44 @@
           <a:p>
             <a:pPr lvl="0"/>
             <a:r>
-              <a:rPr lang="en-US" smtClean="0"/>
+              <a:rPr lang="en-US" altLang="zh-TW" smtClean="0"/>
               <a:t>Click to edit Master text styles</a:t>
             </a:r>
           </a:p>
           <a:p>
             <a:pPr lvl="1"/>
             <a:r>
-              <a:rPr lang="en-US" smtClean="0"/>
+              <a:rPr lang="en-US" altLang="zh-TW" smtClean="0"/>
               <a:t>Second level</a:t>
             </a:r>
           </a:p>
           <a:p>
             <a:pPr lvl="2"/>
             <a:r>
-              <a:rPr lang="en-US" smtClean="0"/>
+              <a:rPr lang="en-US" altLang="zh-TW" smtClean="0"/>
               <a:t>Third level</a:t>
             </a:r>
           </a:p>
           <a:p>
             <a:pPr lvl="3"/>
             <a:r>
-              <a:rPr lang="en-US" smtClean="0"/>
+              <a:rPr lang="en-US" altLang="zh-TW" smtClean="0"/>
               <a:t>Fourth level</a:t>
             </a:r>
           </a:p>
           <a:p>
             <a:pPr lvl="4"/>
             <a:r>
-              <a:rPr lang="en-US" smtClean="0"/>
+              <a:rPr lang="en-US" altLang="zh-TW" smtClean="0"/>
               <a:t>Fifth level</a:t>
             </a:r>
-            <a:endParaRPr lang="en-US"/>
-          </a:p>
-        </p:txBody>
-      </p:sp>
-      <p:sp>
-        <p:nvSpPr>
-          <p:cNvPr id="4" name="Date Placeholder 3"/>
+            <a:endParaRPr lang="zh-TW" altLang="en-US"/>
+          </a:p>
+        </p:txBody>
+      </p:sp>
+      <p:sp>
+        <p:nvSpPr>
+          <p:cNvPr id="4" name="日期版面配置區 3"/>
           <p:cNvSpPr>
             <a:spLocks noGrp="1"/>
           </p:cNvSpPr>
@@ -460,7 +455,7 @@
           <a:p>
             <a:fld id="{FD6947A2-F02C-424A-9656-916B5CD7DE1B}" type="datetimeFigureOut">
               <a:rPr lang="en-US" smtClean="0"/>
-              <a:t>4/16/2019</a:t>
+              <a:t>4/17/2019</a:t>
             </a:fld>
             <a:endParaRPr lang="en-US"/>
           </a:p>
@@ -468,7 +463,7 @@
       </p:sp>
       <p:sp>
         <p:nvSpPr>
-          <p:cNvPr id="5" name="Footer Placeholder 4"/>
+          <p:cNvPr id="5" name="頁尾版面配置區 4"/>
           <p:cNvSpPr>
             <a:spLocks noGrp="1"/>
           </p:cNvSpPr>
@@ -487,7 +482,7 @@
       </p:sp>
       <p:sp>
         <p:nvSpPr>
-          <p:cNvPr id="6" name="Slide Number Placeholder 5"/>
+          <p:cNvPr id="6" name="投影片編號版面配置區 5"/>
           <p:cNvSpPr>
             <a:spLocks noGrp="1"/>
           </p:cNvSpPr>
@@ -509,11 +504,6 @@
         </p:txBody>
       </p:sp>
     </p:spTree>
-    <p:extLst>
-      <p:ext uri="{BB962C8B-B14F-4D97-AF65-F5344CB8AC3E}">
-        <p14:creationId xmlns:p14="http://schemas.microsoft.com/office/powerpoint/2010/main" val="3569702601"/>
-      </p:ext>
-    </p:extLst>
   </p:cSld>
   <p:clrMapOvr>
     <a:masterClrMapping/>
@@ -523,7 +513,7 @@
 
 <file path=ppt/slideLayouts/slideLayout11.xml><?xml version="1.0" encoding="utf-8"?>
 <p:sldLayout xmlns:a="http://schemas.openxmlformats.org/drawingml/2006/main" xmlns:r="http://schemas.openxmlformats.org/officeDocument/2006/relationships" xmlns:p="http://schemas.openxmlformats.org/presentationml/2006/main" type="vertTitleAndTx" preserve="1">
-  <p:cSld name="Vertical Title and Text">
+  <p:cSld name="直排標題及文字">
     <p:spTree>
       <p:nvGrpSpPr>
         <p:cNvPr id="1" name=""/>
@@ -540,7 +530,7 @@
       </p:grpSpPr>
       <p:sp>
         <p:nvSpPr>
-          <p:cNvPr id="2" name="Vertical Title 1"/>
+          <p:cNvPr id="2" name="直排標題 1"/>
           <p:cNvSpPr>
             <a:spLocks noGrp="1"/>
           </p:cNvSpPr>
@@ -559,16 +549,16 @@
           <a:lstStyle/>
           <a:p>
             <a:r>
-              <a:rPr lang="en-US" smtClean="0"/>
+              <a:rPr lang="en-US" altLang="zh-TW" smtClean="0"/>
               <a:t>Click to edit Master title style</a:t>
             </a:r>
-            <a:endParaRPr lang="en-US"/>
-          </a:p>
-        </p:txBody>
-      </p:sp>
-      <p:sp>
-        <p:nvSpPr>
-          <p:cNvPr id="3" name="Vertical Text Placeholder 2"/>
+            <a:endParaRPr lang="zh-TW" altLang="en-US"/>
+          </a:p>
+        </p:txBody>
+      </p:sp>
+      <p:sp>
+        <p:nvSpPr>
+          <p:cNvPr id="3" name="直排文字版面配置區 2"/>
           <p:cNvSpPr>
             <a:spLocks noGrp="1"/>
           </p:cNvSpPr>
@@ -588,44 +578,44 @@
           <a:p>
             <a:pPr lvl="0"/>
             <a:r>
-              <a:rPr lang="en-US" smtClean="0"/>
+              <a:rPr lang="en-US" altLang="zh-TW" smtClean="0"/>
               <a:t>Click to edit Master text styles</a:t>
             </a:r>
           </a:p>
           <a:p>
             <a:pPr lvl="1"/>
             <a:r>
-              <a:rPr lang="en-US" smtClean="0"/>
+              <a:rPr lang="en-US" altLang="zh-TW" smtClean="0"/>
               <a:t>Second level</a:t>
             </a:r>
           </a:p>
           <a:p>
             <a:pPr lvl="2"/>
             <a:r>
-              <a:rPr lang="en-US" smtClean="0"/>
+              <a:rPr lang="en-US" altLang="zh-TW" smtClean="0"/>
               <a:t>Third level</a:t>
             </a:r>
           </a:p>
           <a:p>
             <a:pPr lvl="3"/>
             <a:r>
-              <a:rPr lang="en-US" smtClean="0"/>
+              <a:rPr lang="en-US" altLang="zh-TW" smtClean="0"/>
               <a:t>Fourth level</a:t>
             </a:r>
           </a:p>
           <a:p>
             <a:pPr lvl="4"/>
             <a:r>
-              <a:rPr lang="en-US" smtClean="0"/>
+              <a:rPr lang="en-US" altLang="zh-TW" smtClean="0"/>
               <a:t>Fifth level</a:t>
             </a:r>
-            <a:endParaRPr lang="en-US"/>
-          </a:p>
-        </p:txBody>
-      </p:sp>
-      <p:sp>
-        <p:nvSpPr>
-          <p:cNvPr id="4" name="Date Placeholder 3"/>
+            <a:endParaRPr lang="zh-TW" altLang="en-US"/>
+          </a:p>
+        </p:txBody>
+      </p:sp>
+      <p:sp>
+        <p:nvSpPr>
+          <p:cNvPr id="4" name="日期版面配置區 3"/>
           <p:cNvSpPr>
             <a:spLocks noGrp="1"/>
           </p:cNvSpPr>
@@ -640,7 +630,7 @@
           <a:p>
             <a:fld id="{FD6947A2-F02C-424A-9656-916B5CD7DE1B}" type="datetimeFigureOut">
               <a:rPr lang="en-US" smtClean="0"/>
-              <a:t>4/16/2019</a:t>
+              <a:t>4/17/2019</a:t>
             </a:fld>
             <a:endParaRPr lang="en-US"/>
           </a:p>
@@ -648,7 +638,7 @@
       </p:sp>
       <p:sp>
         <p:nvSpPr>
-          <p:cNvPr id="5" name="Footer Placeholder 4"/>
+          <p:cNvPr id="5" name="頁尾版面配置區 4"/>
           <p:cNvSpPr>
             <a:spLocks noGrp="1"/>
           </p:cNvSpPr>
@@ -667,7 +657,7 @@
       </p:sp>
       <p:sp>
         <p:nvSpPr>
-          <p:cNvPr id="6" name="Slide Number Placeholder 5"/>
+          <p:cNvPr id="6" name="投影片編號版面配置區 5"/>
           <p:cNvSpPr>
             <a:spLocks noGrp="1"/>
           </p:cNvSpPr>
@@ -689,11 +679,6 @@
         </p:txBody>
       </p:sp>
     </p:spTree>
-    <p:extLst>
-      <p:ext uri="{BB962C8B-B14F-4D97-AF65-F5344CB8AC3E}">
-        <p14:creationId xmlns:p14="http://schemas.microsoft.com/office/powerpoint/2010/main" val="3172221604"/>
-      </p:ext>
-    </p:extLst>
   </p:cSld>
   <p:clrMapOvr>
     <a:masterClrMapping/>
@@ -703,7 +688,7 @@
 
 <file path=ppt/slideLayouts/slideLayout2.xml><?xml version="1.0" encoding="utf-8"?>
 <p:sldLayout xmlns:a="http://schemas.openxmlformats.org/drawingml/2006/main" xmlns:r="http://schemas.openxmlformats.org/officeDocument/2006/relationships" xmlns:p="http://schemas.openxmlformats.org/presentationml/2006/main" type="obj" preserve="1">
-  <p:cSld name="Title and Content">
+  <p:cSld name="標題及物件">
     <p:spTree>
       <p:nvGrpSpPr>
         <p:cNvPr id="1" name=""/>
@@ -720,7 +705,7 @@
       </p:grpSpPr>
       <p:sp>
         <p:nvSpPr>
-          <p:cNvPr id="2" name="Title 1"/>
+          <p:cNvPr id="2" name="標題 1"/>
           <p:cNvSpPr>
             <a:spLocks noGrp="1"/>
           </p:cNvSpPr>
@@ -734,16 +719,16 @@
           <a:lstStyle/>
           <a:p>
             <a:r>
-              <a:rPr lang="en-US" smtClean="0"/>
+              <a:rPr lang="en-US" altLang="zh-TW" smtClean="0"/>
               <a:t>Click to edit Master title style</a:t>
             </a:r>
-            <a:endParaRPr lang="en-US"/>
-          </a:p>
-        </p:txBody>
-      </p:sp>
-      <p:sp>
-        <p:nvSpPr>
-          <p:cNvPr id="3" name="Content Placeholder 2"/>
+            <a:endParaRPr lang="zh-TW" altLang="en-US"/>
+          </a:p>
+        </p:txBody>
+      </p:sp>
+      <p:sp>
+        <p:nvSpPr>
+          <p:cNvPr id="3" name="內容版面配置區 2"/>
           <p:cNvSpPr>
             <a:spLocks noGrp="1"/>
           </p:cNvSpPr>
@@ -758,44 +743,44 @@
           <a:p>
             <a:pPr lvl="0"/>
             <a:r>
-              <a:rPr lang="en-US" smtClean="0"/>
+              <a:rPr lang="en-US" altLang="zh-TW" smtClean="0"/>
               <a:t>Click to edit Master text styles</a:t>
             </a:r>
           </a:p>
           <a:p>
             <a:pPr lvl="1"/>
             <a:r>
-              <a:rPr lang="en-US" smtClean="0"/>
+              <a:rPr lang="en-US" altLang="zh-TW" smtClean="0"/>
               <a:t>Second level</a:t>
             </a:r>
           </a:p>
           <a:p>
             <a:pPr lvl="2"/>
             <a:r>
-              <a:rPr lang="en-US" smtClean="0"/>
+              <a:rPr lang="en-US" altLang="zh-TW" smtClean="0"/>
               <a:t>Third level</a:t>
             </a:r>
           </a:p>
           <a:p>
             <a:pPr lvl="3"/>
             <a:r>
-              <a:rPr lang="en-US" smtClean="0"/>
+              <a:rPr lang="en-US" altLang="zh-TW" smtClean="0"/>
               <a:t>Fourth level</a:t>
             </a:r>
           </a:p>
           <a:p>
             <a:pPr lvl="4"/>
             <a:r>
-              <a:rPr lang="en-US" smtClean="0"/>
+              <a:rPr lang="en-US" altLang="zh-TW" smtClean="0"/>
               <a:t>Fifth level</a:t>
             </a:r>
-            <a:endParaRPr lang="en-US"/>
-          </a:p>
-        </p:txBody>
-      </p:sp>
-      <p:sp>
-        <p:nvSpPr>
-          <p:cNvPr id="4" name="Date Placeholder 3"/>
+            <a:endParaRPr lang="zh-TW" altLang="en-US"/>
+          </a:p>
+        </p:txBody>
+      </p:sp>
+      <p:sp>
+        <p:nvSpPr>
+          <p:cNvPr id="4" name="日期版面配置區 3"/>
           <p:cNvSpPr>
             <a:spLocks noGrp="1"/>
           </p:cNvSpPr>
@@ -810,7 +795,7 @@
           <a:p>
             <a:fld id="{FD6947A2-F02C-424A-9656-916B5CD7DE1B}" type="datetimeFigureOut">
               <a:rPr lang="en-US" smtClean="0"/>
-              <a:t>4/16/2019</a:t>
+              <a:t>4/17/2019</a:t>
             </a:fld>
             <a:endParaRPr lang="en-US"/>
           </a:p>
@@ -818,7 +803,7 @@
       </p:sp>
       <p:sp>
         <p:nvSpPr>
-          <p:cNvPr id="5" name="Footer Placeholder 4"/>
+          <p:cNvPr id="5" name="頁尾版面配置區 4"/>
           <p:cNvSpPr>
             <a:spLocks noGrp="1"/>
           </p:cNvSpPr>
@@ -837,7 +822,7 @@
       </p:sp>
       <p:sp>
         <p:nvSpPr>
-          <p:cNvPr id="6" name="Slide Number Placeholder 5"/>
+          <p:cNvPr id="6" name="投影片編號版面配置區 5"/>
           <p:cNvSpPr>
             <a:spLocks noGrp="1"/>
           </p:cNvSpPr>
@@ -859,11 +844,6 @@
         </p:txBody>
       </p:sp>
     </p:spTree>
-    <p:extLst>
-      <p:ext uri="{BB962C8B-B14F-4D97-AF65-F5344CB8AC3E}">
-        <p14:creationId xmlns:p14="http://schemas.microsoft.com/office/powerpoint/2010/main" val="1552069534"/>
-      </p:ext>
-    </p:extLst>
   </p:cSld>
   <p:clrMapOvr>
     <a:masterClrMapping/>
@@ -873,7 +853,7 @@
 
 <file path=ppt/slideLayouts/slideLayout3.xml><?xml version="1.0" encoding="utf-8"?>
 <p:sldLayout xmlns:a="http://schemas.openxmlformats.org/drawingml/2006/main" xmlns:r="http://schemas.openxmlformats.org/officeDocument/2006/relationships" xmlns:p="http://schemas.openxmlformats.org/presentationml/2006/main" type="secHead" preserve="1">
-  <p:cSld name="Section Header">
+  <p:cSld name="區段標題">
     <p:spTree>
       <p:nvGrpSpPr>
         <p:cNvPr id="1" name=""/>
@@ -890,7 +870,7 @@
       </p:grpSpPr>
       <p:sp>
         <p:nvSpPr>
-          <p:cNvPr id="2" name="Title 1"/>
+          <p:cNvPr id="2" name="標題 1"/>
           <p:cNvSpPr>
             <a:spLocks noGrp="1"/>
           </p:cNvSpPr>
@@ -913,16 +893,16 @@
           </a:lstStyle>
           <a:p>
             <a:r>
-              <a:rPr lang="en-US" smtClean="0"/>
+              <a:rPr lang="en-US" altLang="zh-TW" smtClean="0"/>
               <a:t>Click to edit Master title style</a:t>
             </a:r>
-            <a:endParaRPr lang="en-US"/>
-          </a:p>
-        </p:txBody>
-      </p:sp>
-      <p:sp>
-        <p:nvSpPr>
-          <p:cNvPr id="3" name="Text Placeholder 2"/>
+            <a:endParaRPr lang="zh-TW" altLang="en-US"/>
+          </a:p>
+        </p:txBody>
+      </p:sp>
+      <p:sp>
+        <p:nvSpPr>
+          <p:cNvPr id="3" name="文字版面配置區 2"/>
           <p:cNvSpPr>
             <a:spLocks noGrp="1"/>
           </p:cNvSpPr>
@@ -1033,7 +1013,7 @@
           <a:p>
             <a:pPr lvl="0"/>
             <a:r>
-              <a:rPr lang="en-US" smtClean="0"/>
+              <a:rPr lang="en-US" altLang="zh-TW" smtClean="0"/>
               <a:t>Click to edit Master text styles</a:t>
             </a:r>
           </a:p>
@@ -1041,7 +1021,7 @@
       </p:sp>
       <p:sp>
         <p:nvSpPr>
-          <p:cNvPr id="4" name="Date Placeholder 3"/>
+          <p:cNvPr id="4" name="日期版面配置區 3"/>
           <p:cNvSpPr>
             <a:spLocks noGrp="1"/>
           </p:cNvSpPr>
@@ -1056,7 +1036,7 @@
           <a:p>
             <a:fld id="{FD6947A2-F02C-424A-9656-916B5CD7DE1B}" type="datetimeFigureOut">
               <a:rPr lang="en-US" smtClean="0"/>
-              <a:t>4/16/2019</a:t>
+              <a:t>4/17/2019</a:t>
             </a:fld>
             <a:endParaRPr lang="en-US"/>
           </a:p>
@@ -1064,7 +1044,7 @@
       </p:sp>
       <p:sp>
         <p:nvSpPr>
-          <p:cNvPr id="5" name="Footer Placeholder 4"/>
+          <p:cNvPr id="5" name="頁尾版面配置區 4"/>
           <p:cNvSpPr>
             <a:spLocks noGrp="1"/>
           </p:cNvSpPr>
@@ -1083,7 +1063,7 @@
       </p:sp>
       <p:sp>
         <p:nvSpPr>
-          <p:cNvPr id="6" name="Slide Number Placeholder 5"/>
+          <p:cNvPr id="6" name="投影片編號版面配置區 5"/>
           <p:cNvSpPr>
             <a:spLocks noGrp="1"/>
           </p:cNvSpPr>
@@ -1105,11 +1085,6 @@
         </p:txBody>
       </p:sp>
     </p:spTree>
-    <p:extLst>
-      <p:ext uri="{BB962C8B-B14F-4D97-AF65-F5344CB8AC3E}">
-        <p14:creationId xmlns:p14="http://schemas.microsoft.com/office/powerpoint/2010/main" val="2753648135"/>
-      </p:ext>
-    </p:extLst>
   </p:cSld>
   <p:clrMapOvr>
     <a:masterClrMapping/>
@@ -1119,7 +1094,7 @@
 
 <file path=ppt/slideLayouts/slideLayout4.xml><?xml version="1.0" encoding="utf-8"?>
 <p:sldLayout xmlns:a="http://schemas.openxmlformats.org/drawingml/2006/main" xmlns:r="http://schemas.openxmlformats.org/officeDocument/2006/relationships" xmlns:p="http://schemas.openxmlformats.org/presentationml/2006/main" type="twoObj" preserve="1">
-  <p:cSld name="Two Content">
+  <p:cSld name="兩項物件">
     <p:spTree>
       <p:nvGrpSpPr>
         <p:cNvPr id="1" name=""/>
@@ -1136,7 +1111,7 @@
       </p:grpSpPr>
       <p:sp>
         <p:nvSpPr>
-          <p:cNvPr id="2" name="Title 1"/>
+          <p:cNvPr id="2" name="標題 1"/>
           <p:cNvSpPr>
             <a:spLocks noGrp="1"/>
           </p:cNvSpPr>
@@ -1150,16 +1125,16 @@
           <a:lstStyle/>
           <a:p>
             <a:r>
-              <a:rPr lang="en-US" smtClean="0"/>
+              <a:rPr lang="en-US" altLang="zh-TW" smtClean="0"/>
               <a:t>Click to edit Master title style</a:t>
             </a:r>
-            <a:endParaRPr lang="en-US"/>
-          </a:p>
-        </p:txBody>
-      </p:sp>
-      <p:sp>
-        <p:nvSpPr>
-          <p:cNvPr id="3" name="Content Placeholder 2"/>
+            <a:endParaRPr lang="zh-TW" altLang="en-US"/>
+          </a:p>
+        </p:txBody>
+      </p:sp>
+      <p:sp>
+        <p:nvSpPr>
+          <p:cNvPr id="3" name="內容版面配置區 2"/>
           <p:cNvSpPr>
             <a:spLocks noGrp="1"/>
           </p:cNvSpPr>
@@ -1207,44 +1182,44 @@
           <a:p>
             <a:pPr lvl="0"/>
             <a:r>
-              <a:rPr lang="en-US" smtClean="0"/>
+              <a:rPr lang="en-US" altLang="zh-TW" smtClean="0"/>
               <a:t>Click to edit Master text styles</a:t>
             </a:r>
           </a:p>
           <a:p>
             <a:pPr lvl="1"/>
             <a:r>
-              <a:rPr lang="en-US" smtClean="0"/>
+              <a:rPr lang="en-US" altLang="zh-TW" smtClean="0"/>
               <a:t>Second level</a:t>
             </a:r>
           </a:p>
           <a:p>
             <a:pPr lvl="2"/>
             <a:r>
-              <a:rPr lang="en-US" smtClean="0"/>
+              <a:rPr lang="en-US" altLang="zh-TW" smtClean="0"/>
               <a:t>Third level</a:t>
             </a:r>
           </a:p>
           <a:p>
             <a:pPr lvl="3"/>
             <a:r>
-              <a:rPr lang="en-US" smtClean="0"/>
+              <a:rPr lang="en-US" altLang="zh-TW" smtClean="0"/>
               <a:t>Fourth level</a:t>
             </a:r>
           </a:p>
           <a:p>
             <a:pPr lvl="4"/>
             <a:r>
-              <a:rPr lang="en-US" smtClean="0"/>
+              <a:rPr lang="en-US" altLang="zh-TW" smtClean="0"/>
               <a:t>Fifth level</a:t>
             </a:r>
-            <a:endParaRPr lang="en-US"/>
-          </a:p>
-        </p:txBody>
-      </p:sp>
-      <p:sp>
-        <p:nvSpPr>
-          <p:cNvPr id="4" name="Content Placeholder 3"/>
+            <a:endParaRPr lang="zh-TW" altLang="en-US"/>
+          </a:p>
+        </p:txBody>
+      </p:sp>
+      <p:sp>
+        <p:nvSpPr>
+          <p:cNvPr id="4" name="內容版面配置區 3"/>
           <p:cNvSpPr>
             <a:spLocks noGrp="1"/>
           </p:cNvSpPr>
@@ -1292,44 +1267,44 @@
           <a:p>
             <a:pPr lvl="0"/>
             <a:r>
-              <a:rPr lang="en-US" smtClean="0"/>
+              <a:rPr lang="en-US" altLang="zh-TW" smtClean="0"/>
               <a:t>Click to edit Master text styles</a:t>
             </a:r>
           </a:p>
           <a:p>
             <a:pPr lvl="1"/>
             <a:r>
-              <a:rPr lang="en-US" smtClean="0"/>
+              <a:rPr lang="en-US" altLang="zh-TW" smtClean="0"/>
               <a:t>Second level</a:t>
             </a:r>
           </a:p>
           <a:p>
             <a:pPr lvl="2"/>
             <a:r>
-              <a:rPr lang="en-US" smtClean="0"/>
+              <a:rPr lang="en-US" altLang="zh-TW" smtClean="0"/>
               <a:t>Third level</a:t>
             </a:r>
           </a:p>
           <a:p>
             <a:pPr lvl="3"/>
             <a:r>
-              <a:rPr lang="en-US" smtClean="0"/>
+              <a:rPr lang="en-US" altLang="zh-TW" smtClean="0"/>
               <a:t>Fourth level</a:t>
             </a:r>
           </a:p>
           <a:p>
             <a:pPr lvl="4"/>
             <a:r>
-              <a:rPr lang="en-US" smtClean="0"/>
+              <a:rPr lang="en-US" altLang="zh-TW" smtClean="0"/>
               <a:t>Fifth level</a:t>
             </a:r>
-            <a:endParaRPr lang="en-US"/>
-          </a:p>
-        </p:txBody>
-      </p:sp>
-      <p:sp>
-        <p:nvSpPr>
-          <p:cNvPr id="5" name="Date Placeholder 4"/>
+            <a:endParaRPr lang="zh-TW" altLang="en-US"/>
+          </a:p>
+        </p:txBody>
+      </p:sp>
+      <p:sp>
+        <p:nvSpPr>
+          <p:cNvPr id="5" name="日期版面配置區 4"/>
           <p:cNvSpPr>
             <a:spLocks noGrp="1"/>
           </p:cNvSpPr>
@@ -1344,7 +1319,7 @@
           <a:p>
             <a:fld id="{FD6947A2-F02C-424A-9656-916B5CD7DE1B}" type="datetimeFigureOut">
               <a:rPr lang="en-US" smtClean="0"/>
-              <a:t>4/16/2019</a:t>
+              <a:t>4/17/2019</a:t>
             </a:fld>
             <a:endParaRPr lang="en-US"/>
           </a:p>
@@ -1352,7 +1327,7 @@
       </p:sp>
       <p:sp>
         <p:nvSpPr>
-          <p:cNvPr id="6" name="Footer Placeholder 5"/>
+          <p:cNvPr id="6" name="頁尾版面配置區 5"/>
           <p:cNvSpPr>
             <a:spLocks noGrp="1"/>
           </p:cNvSpPr>
@@ -1371,7 +1346,7 @@
       </p:sp>
       <p:sp>
         <p:nvSpPr>
-          <p:cNvPr id="7" name="Slide Number Placeholder 6"/>
+          <p:cNvPr id="7" name="投影片編號版面配置區 6"/>
           <p:cNvSpPr>
             <a:spLocks noGrp="1"/>
           </p:cNvSpPr>
@@ -1393,11 +1368,6 @@
         </p:txBody>
       </p:sp>
     </p:spTree>
-    <p:extLst>
-      <p:ext uri="{BB962C8B-B14F-4D97-AF65-F5344CB8AC3E}">
-        <p14:creationId xmlns:p14="http://schemas.microsoft.com/office/powerpoint/2010/main" val="3524621247"/>
-      </p:ext>
-    </p:extLst>
   </p:cSld>
   <p:clrMapOvr>
     <a:masterClrMapping/>
@@ -1407,7 +1377,7 @@
 
 <file path=ppt/slideLayouts/slideLayout5.xml><?xml version="1.0" encoding="utf-8"?>
 <p:sldLayout xmlns:a="http://schemas.openxmlformats.org/drawingml/2006/main" xmlns:r="http://schemas.openxmlformats.org/officeDocument/2006/relationships" xmlns:p="http://schemas.openxmlformats.org/presentationml/2006/main" type="twoTxTwoObj" preserve="1">
-  <p:cSld name="Comparison">
+  <p:cSld name="比對">
     <p:spTree>
       <p:nvGrpSpPr>
         <p:cNvPr id="1" name=""/>
@@ -1424,7 +1394,7 @@
       </p:grpSpPr>
       <p:sp>
         <p:nvSpPr>
-          <p:cNvPr id="2" name="Title 1"/>
+          <p:cNvPr id="2" name="標題 1"/>
           <p:cNvSpPr>
             <a:spLocks noGrp="1"/>
           </p:cNvSpPr>
@@ -1442,16 +1412,16 @@
           </a:lstStyle>
           <a:p>
             <a:r>
-              <a:rPr lang="en-US" smtClean="0"/>
+              <a:rPr lang="en-US" altLang="zh-TW" smtClean="0"/>
               <a:t>Click to edit Master title style</a:t>
             </a:r>
-            <a:endParaRPr lang="en-US"/>
-          </a:p>
-        </p:txBody>
-      </p:sp>
-      <p:sp>
-        <p:nvSpPr>
-          <p:cNvPr id="3" name="Text Placeholder 2"/>
+            <a:endParaRPr lang="zh-TW" altLang="en-US"/>
+          </a:p>
+        </p:txBody>
+      </p:sp>
+      <p:sp>
+        <p:nvSpPr>
+          <p:cNvPr id="3" name="文字版面配置區 2"/>
           <p:cNvSpPr>
             <a:spLocks noGrp="1"/>
           </p:cNvSpPr>
@@ -1508,7 +1478,7 @@
           <a:p>
             <a:pPr lvl="0"/>
             <a:r>
-              <a:rPr lang="en-US" smtClean="0"/>
+              <a:rPr lang="en-US" altLang="zh-TW" smtClean="0"/>
               <a:t>Click to edit Master text styles</a:t>
             </a:r>
           </a:p>
@@ -1516,7 +1486,7 @@
       </p:sp>
       <p:sp>
         <p:nvSpPr>
-          <p:cNvPr id="4" name="Content Placeholder 3"/>
+          <p:cNvPr id="4" name="內容版面配置區 3"/>
           <p:cNvSpPr>
             <a:spLocks noGrp="1"/>
           </p:cNvSpPr>
@@ -1564,44 +1534,44 @@
           <a:p>
             <a:pPr lvl="0"/>
             <a:r>
-              <a:rPr lang="en-US" smtClean="0"/>
+              <a:rPr lang="en-US" altLang="zh-TW" smtClean="0"/>
               <a:t>Click to edit Master text styles</a:t>
             </a:r>
           </a:p>
           <a:p>
             <a:pPr lvl="1"/>
             <a:r>
-              <a:rPr lang="en-US" smtClean="0"/>
+              <a:rPr lang="en-US" altLang="zh-TW" smtClean="0"/>
               <a:t>Second level</a:t>
             </a:r>
           </a:p>
           <a:p>
             <a:pPr lvl="2"/>
             <a:r>
-              <a:rPr lang="en-US" smtClean="0"/>
+              <a:rPr lang="en-US" altLang="zh-TW" smtClean="0"/>
               <a:t>Third level</a:t>
             </a:r>
           </a:p>
           <a:p>
             <a:pPr lvl="3"/>
             <a:r>
-              <a:rPr lang="en-US" smtClean="0"/>
+              <a:rPr lang="en-US" altLang="zh-TW" smtClean="0"/>
               <a:t>Fourth level</a:t>
             </a:r>
           </a:p>
           <a:p>
             <a:pPr lvl="4"/>
             <a:r>
-              <a:rPr lang="en-US" smtClean="0"/>
+              <a:rPr lang="en-US" altLang="zh-TW" smtClean="0"/>
               <a:t>Fifth level</a:t>
             </a:r>
-            <a:endParaRPr lang="en-US"/>
-          </a:p>
-        </p:txBody>
-      </p:sp>
-      <p:sp>
-        <p:nvSpPr>
-          <p:cNvPr id="5" name="Text Placeholder 4"/>
+            <a:endParaRPr lang="zh-TW" altLang="en-US"/>
+          </a:p>
+        </p:txBody>
+      </p:sp>
+      <p:sp>
+        <p:nvSpPr>
+          <p:cNvPr id="5" name="文字版面配置區 4"/>
           <p:cNvSpPr>
             <a:spLocks noGrp="1"/>
           </p:cNvSpPr>
@@ -1658,7 +1628,7 @@
           <a:p>
             <a:pPr lvl="0"/>
             <a:r>
-              <a:rPr lang="en-US" smtClean="0"/>
+              <a:rPr lang="en-US" altLang="zh-TW" smtClean="0"/>
               <a:t>Click to edit Master text styles</a:t>
             </a:r>
           </a:p>
@@ -1666,7 +1636,7 @@
       </p:sp>
       <p:sp>
         <p:nvSpPr>
-          <p:cNvPr id="6" name="Content Placeholder 5"/>
+          <p:cNvPr id="6" name="內容版面配置區 5"/>
           <p:cNvSpPr>
             <a:spLocks noGrp="1"/>
           </p:cNvSpPr>
@@ -1714,44 +1684,44 @@
           <a:p>
             <a:pPr lvl="0"/>
             <a:r>
-              <a:rPr lang="en-US" smtClean="0"/>
+              <a:rPr lang="en-US" altLang="zh-TW" smtClean="0"/>
               <a:t>Click to edit Master text styles</a:t>
             </a:r>
           </a:p>
           <a:p>
             <a:pPr lvl="1"/>
             <a:r>
-              <a:rPr lang="en-US" smtClean="0"/>
+              <a:rPr lang="en-US" altLang="zh-TW" smtClean="0"/>
               <a:t>Second level</a:t>
             </a:r>
           </a:p>
           <a:p>
             <a:pPr lvl="2"/>
             <a:r>
-              <a:rPr lang="en-US" smtClean="0"/>
+              <a:rPr lang="en-US" altLang="zh-TW" smtClean="0"/>
               <a:t>Third level</a:t>
             </a:r>
           </a:p>
           <a:p>
             <a:pPr lvl="3"/>
             <a:r>
-              <a:rPr lang="en-US" smtClean="0"/>
+              <a:rPr lang="en-US" altLang="zh-TW" smtClean="0"/>
               <a:t>Fourth level</a:t>
             </a:r>
           </a:p>
           <a:p>
             <a:pPr lvl="4"/>
             <a:r>
-              <a:rPr lang="en-US" smtClean="0"/>
+              <a:rPr lang="en-US" altLang="zh-TW" smtClean="0"/>
               <a:t>Fifth level</a:t>
             </a:r>
-            <a:endParaRPr lang="en-US"/>
-          </a:p>
-        </p:txBody>
-      </p:sp>
-      <p:sp>
-        <p:nvSpPr>
-          <p:cNvPr id="7" name="Date Placeholder 6"/>
+            <a:endParaRPr lang="zh-TW" altLang="en-US"/>
+          </a:p>
+        </p:txBody>
+      </p:sp>
+      <p:sp>
+        <p:nvSpPr>
+          <p:cNvPr id="7" name="日期版面配置區 6"/>
           <p:cNvSpPr>
             <a:spLocks noGrp="1"/>
           </p:cNvSpPr>
@@ -1766,7 +1736,7 @@
           <a:p>
             <a:fld id="{FD6947A2-F02C-424A-9656-916B5CD7DE1B}" type="datetimeFigureOut">
               <a:rPr lang="en-US" smtClean="0"/>
-              <a:t>4/16/2019</a:t>
+              <a:t>4/17/2019</a:t>
             </a:fld>
             <a:endParaRPr lang="en-US"/>
           </a:p>
@@ -1774,7 +1744,7 @@
       </p:sp>
       <p:sp>
         <p:nvSpPr>
-          <p:cNvPr id="8" name="Footer Placeholder 7"/>
+          <p:cNvPr id="8" name="頁尾版面配置區 7"/>
           <p:cNvSpPr>
             <a:spLocks noGrp="1"/>
           </p:cNvSpPr>
@@ -1793,7 +1763,7 @@
       </p:sp>
       <p:sp>
         <p:nvSpPr>
-          <p:cNvPr id="9" name="Slide Number Placeholder 8"/>
+          <p:cNvPr id="9" name="投影片編號版面配置區 8"/>
           <p:cNvSpPr>
             <a:spLocks noGrp="1"/>
           </p:cNvSpPr>
@@ -1815,11 +1785,6 @@
         </p:txBody>
       </p:sp>
     </p:spTree>
-    <p:extLst>
-      <p:ext uri="{BB962C8B-B14F-4D97-AF65-F5344CB8AC3E}">
-        <p14:creationId xmlns:p14="http://schemas.microsoft.com/office/powerpoint/2010/main" val="939953507"/>
-      </p:ext>
-    </p:extLst>
   </p:cSld>
   <p:clrMapOvr>
     <a:masterClrMapping/>
@@ -1829,7 +1794,7 @@
 
 <file path=ppt/slideLayouts/slideLayout6.xml><?xml version="1.0" encoding="utf-8"?>
 <p:sldLayout xmlns:a="http://schemas.openxmlformats.org/drawingml/2006/main" xmlns:r="http://schemas.openxmlformats.org/officeDocument/2006/relationships" xmlns:p="http://schemas.openxmlformats.org/presentationml/2006/main" type="titleOnly" preserve="1">
-  <p:cSld name="Title Only">
+  <p:cSld name="只有標題">
     <p:spTree>
       <p:nvGrpSpPr>
         <p:cNvPr id="1" name=""/>
@@ -1846,7 +1811,7 @@
       </p:grpSpPr>
       <p:sp>
         <p:nvSpPr>
-          <p:cNvPr id="2" name="Title 1"/>
+          <p:cNvPr id="2" name="標題 1"/>
           <p:cNvSpPr>
             <a:spLocks noGrp="1"/>
           </p:cNvSpPr>
@@ -1860,16 +1825,16 @@
           <a:lstStyle/>
           <a:p>
             <a:r>
-              <a:rPr lang="en-US" smtClean="0"/>
+              <a:rPr lang="en-US" altLang="zh-TW" smtClean="0"/>
               <a:t>Click to edit Master title style</a:t>
             </a:r>
-            <a:endParaRPr lang="en-US"/>
-          </a:p>
-        </p:txBody>
-      </p:sp>
-      <p:sp>
-        <p:nvSpPr>
-          <p:cNvPr id="3" name="Date Placeholder 2"/>
+            <a:endParaRPr lang="zh-TW" altLang="en-US"/>
+          </a:p>
+        </p:txBody>
+      </p:sp>
+      <p:sp>
+        <p:nvSpPr>
+          <p:cNvPr id="3" name="日期版面配置區 2"/>
           <p:cNvSpPr>
             <a:spLocks noGrp="1"/>
           </p:cNvSpPr>
@@ -1884,7 +1849,7 @@
           <a:p>
             <a:fld id="{FD6947A2-F02C-424A-9656-916B5CD7DE1B}" type="datetimeFigureOut">
               <a:rPr lang="en-US" smtClean="0"/>
-              <a:t>4/16/2019</a:t>
+              <a:t>4/17/2019</a:t>
             </a:fld>
             <a:endParaRPr lang="en-US"/>
           </a:p>
@@ -1892,7 +1857,7 @@
       </p:sp>
       <p:sp>
         <p:nvSpPr>
-          <p:cNvPr id="4" name="Footer Placeholder 3"/>
+          <p:cNvPr id="4" name="頁尾版面配置區 3"/>
           <p:cNvSpPr>
             <a:spLocks noGrp="1"/>
           </p:cNvSpPr>
@@ -1911,7 +1876,7 @@
       </p:sp>
       <p:sp>
         <p:nvSpPr>
-          <p:cNvPr id="5" name="Slide Number Placeholder 4"/>
+          <p:cNvPr id="5" name="投影片編號版面配置區 4"/>
           <p:cNvSpPr>
             <a:spLocks noGrp="1"/>
           </p:cNvSpPr>
@@ -1933,11 +1898,6 @@
         </p:txBody>
       </p:sp>
     </p:spTree>
-    <p:extLst>
-      <p:ext uri="{BB962C8B-B14F-4D97-AF65-F5344CB8AC3E}">
-        <p14:creationId xmlns:p14="http://schemas.microsoft.com/office/powerpoint/2010/main" val="1712779450"/>
-      </p:ext>
-    </p:extLst>
   </p:cSld>
   <p:clrMapOvr>
     <a:masterClrMapping/>
@@ -1947,7 +1907,7 @@
 
 <file path=ppt/slideLayouts/slideLayout7.xml><?xml version="1.0" encoding="utf-8"?>
 <p:sldLayout xmlns:a="http://schemas.openxmlformats.org/drawingml/2006/main" xmlns:r="http://schemas.openxmlformats.org/officeDocument/2006/relationships" xmlns:p="http://schemas.openxmlformats.org/presentationml/2006/main" type="blank" preserve="1">
-  <p:cSld name="Blank">
+  <p:cSld name="空白">
     <p:spTree>
       <p:nvGrpSpPr>
         <p:cNvPr id="1" name=""/>
@@ -1964,7 +1924,7 @@
       </p:grpSpPr>
       <p:sp>
         <p:nvSpPr>
-          <p:cNvPr id="2" name="Date Placeholder 1"/>
+          <p:cNvPr id="2" name="日期版面配置區 1"/>
           <p:cNvSpPr>
             <a:spLocks noGrp="1"/>
           </p:cNvSpPr>
@@ -1979,7 +1939,7 @@
           <a:p>
             <a:fld id="{FD6947A2-F02C-424A-9656-916B5CD7DE1B}" type="datetimeFigureOut">
               <a:rPr lang="en-US" smtClean="0"/>
-              <a:t>4/16/2019</a:t>
+              <a:t>4/17/2019</a:t>
             </a:fld>
             <a:endParaRPr lang="en-US"/>
           </a:p>
@@ -1987,7 +1947,7 @@
       </p:sp>
       <p:sp>
         <p:nvSpPr>
-          <p:cNvPr id="3" name="Footer Placeholder 2"/>
+          <p:cNvPr id="3" name="頁尾版面配置區 2"/>
           <p:cNvSpPr>
             <a:spLocks noGrp="1"/>
           </p:cNvSpPr>
@@ -2006,7 +1966,7 @@
       </p:sp>
       <p:sp>
         <p:nvSpPr>
-          <p:cNvPr id="4" name="Slide Number Placeholder 3"/>
+          <p:cNvPr id="4" name="投影片編號版面配置區 3"/>
           <p:cNvSpPr>
             <a:spLocks noGrp="1"/>
           </p:cNvSpPr>
@@ -2028,11 +1988,6 @@
         </p:txBody>
       </p:sp>
     </p:spTree>
-    <p:extLst>
-      <p:ext uri="{BB962C8B-B14F-4D97-AF65-F5344CB8AC3E}">
-        <p14:creationId xmlns:p14="http://schemas.microsoft.com/office/powerpoint/2010/main" val="328740284"/>
-      </p:ext>
-    </p:extLst>
   </p:cSld>
   <p:clrMapOvr>
     <a:masterClrMapping/>
@@ -2042,7 +1997,7 @@
 
 <file path=ppt/slideLayouts/slideLayout8.xml><?xml version="1.0" encoding="utf-8"?>
 <p:sldLayout xmlns:a="http://schemas.openxmlformats.org/drawingml/2006/main" xmlns:r="http://schemas.openxmlformats.org/officeDocument/2006/relationships" xmlns:p="http://schemas.openxmlformats.org/presentationml/2006/main" type="objTx" preserve="1">
-  <p:cSld name="Content with Caption">
+  <p:cSld name="含標題的內容">
     <p:spTree>
       <p:nvGrpSpPr>
         <p:cNvPr id="1" name=""/>
@@ -2059,7 +2014,7 @@
       </p:grpSpPr>
       <p:sp>
         <p:nvSpPr>
-          <p:cNvPr id="2" name="Title 1"/>
+          <p:cNvPr id="2" name="標題 1"/>
           <p:cNvSpPr>
             <a:spLocks noGrp="1"/>
           </p:cNvSpPr>
@@ -2082,16 +2037,16 @@
           </a:lstStyle>
           <a:p>
             <a:r>
-              <a:rPr lang="en-US" smtClean="0"/>
+              <a:rPr lang="en-US" altLang="zh-TW" smtClean="0"/>
               <a:t>Click to edit Master title style</a:t>
             </a:r>
-            <a:endParaRPr lang="en-US"/>
-          </a:p>
-        </p:txBody>
-      </p:sp>
-      <p:sp>
-        <p:nvSpPr>
-          <p:cNvPr id="3" name="Content Placeholder 2"/>
+            <a:endParaRPr lang="zh-TW" altLang="en-US"/>
+          </a:p>
+        </p:txBody>
+      </p:sp>
+      <p:sp>
+        <p:nvSpPr>
+          <p:cNvPr id="3" name="內容版面配置區 2"/>
           <p:cNvSpPr>
             <a:spLocks noGrp="1"/>
           </p:cNvSpPr>
@@ -2139,44 +2094,44 @@
           <a:p>
             <a:pPr lvl="0"/>
             <a:r>
-              <a:rPr lang="en-US" smtClean="0"/>
+              <a:rPr lang="en-US" altLang="zh-TW" smtClean="0"/>
               <a:t>Click to edit Master text styles</a:t>
             </a:r>
           </a:p>
           <a:p>
             <a:pPr lvl="1"/>
             <a:r>
-              <a:rPr lang="en-US" smtClean="0"/>
+              <a:rPr lang="en-US" altLang="zh-TW" smtClean="0"/>
               <a:t>Second level</a:t>
             </a:r>
           </a:p>
           <a:p>
             <a:pPr lvl="2"/>
             <a:r>
-              <a:rPr lang="en-US" smtClean="0"/>
+              <a:rPr lang="en-US" altLang="zh-TW" smtClean="0"/>
               <a:t>Third level</a:t>
             </a:r>
           </a:p>
           <a:p>
             <a:pPr lvl="3"/>
             <a:r>
-              <a:rPr lang="en-US" smtClean="0"/>
+              <a:rPr lang="en-US" altLang="zh-TW" smtClean="0"/>
               <a:t>Fourth level</a:t>
             </a:r>
           </a:p>
           <a:p>
             <a:pPr lvl="4"/>
             <a:r>
-              <a:rPr lang="en-US" smtClean="0"/>
+              <a:rPr lang="en-US" altLang="zh-TW" smtClean="0"/>
               <a:t>Fifth level</a:t>
             </a:r>
-            <a:endParaRPr lang="en-US"/>
-          </a:p>
-        </p:txBody>
-      </p:sp>
-      <p:sp>
-        <p:nvSpPr>
-          <p:cNvPr id="4" name="Text Placeholder 3"/>
+            <a:endParaRPr lang="zh-TW" altLang="en-US"/>
+          </a:p>
+        </p:txBody>
+      </p:sp>
+      <p:sp>
+        <p:nvSpPr>
+          <p:cNvPr id="4" name="文字版面配置區 3"/>
           <p:cNvSpPr>
             <a:spLocks noGrp="1"/>
           </p:cNvSpPr>
@@ -2233,7 +2188,7 @@
           <a:p>
             <a:pPr lvl="0"/>
             <a:r>
-              <a:rPr lang="en-US" smtClean="0"/>
+              <a:rPr lang="en-US" altLang="zh-TW" smtClean="0"/>
               <a:t>Click to edit Master text styles</a:t>
             </a:r>
           </a:p>
@@ -2241,7 +2196,7 @@
       </p:sp>
       <p:sp>
         <p:nvSpPr>
-          <p:cNvPr id="5" name="Date Placeholder 4"/>
+          <p:cNvPr id="5" name="日期版面配置區 4"/>
           <p:cNvSpPr>
             <a:spLocks noGrp="1"/>
           </p:cNvSpPr>
@@ -2256,7 +2211,7 @@
           <a:p>
             <a:fld id="{FD6947A2-F02C-424A-9656-916B5CD7DE1B}" type="datetimeFigureOut">
               <a:rPr lang="en-US" smtClean="0"/>
-              <a:t>4/16/2019</a:t>
+              <a:t>4/17/2019</a:t>
             </a:fld>
             <a:endParaRPr lang="en-US"/>
           </a:p>
@@ -2264,7 +2219,7 @@
       </p:sp>
       <p:sp>
         <p:nvSpPr>
-          <p:cNvPr id="6" name="Footer Placeholder 5"/>
+          <p:cNvPr id="6" name="頁尾版面配置區 5"/>
           <p:cNvSpPr>
             <a:spLocks noGrp="1"/>
           </p:cNvSpPr>
@@ -2283,7 +2238,7 @@
       </p:sp>
       <p:sp>
         <p:nvSpPr>
-          <p:cNvPr id="7" name="Slide Number Placeholder 6"/>
+          <p:cNvPr id="7" name="投影片編號版面配置區 6"/>
           <p:cNvSpPr>
             <a:spLocks noGrp="1"/>
           </p:cNvSpPr>
@@ -2305,11 +2260,6 @@
         </p:txBody>
       </p:sp>
     </p:spTree>
-    <p:extLst>
-      <p:ext uri="{BB962C8B-B14F-4D97-AF65-F5344CB8AC3E}">
-        <p14:creationId xmlns:p14="http://schemas.microsoft.com/office/powerpoint/2010/main" val="336492507"/>
-      </p:ext>
-    </p:extLst>
   </p:cSld>
   <p:clrMapOvr>
     <a:masterClrMapping/>
@@ -2319,7 +2269,7 @@
 
 <file path=ppt/slideLayouts/slideLayout9.xml><?xml version="1.0" encoding="utf-8"?>
 <p:sldLayout xmlns:a="http://schemas.openxmlformats.org/drawingml/2006/main" xmlns:r="http://schemas.openxmlformats.org/officeDocument/2006/relationships" xmlns:p="http://schemas.openxmlformats.org/presentationml/2006/main" type="picTx" preserve="1">
-  <p:cSld name="Picture with Caption">
+  <p:cSld name="含標題的圖片">
     <p:spTree>
       <p:nvGrpSpPr>
         <p:cNvPr id="1" name=""/>
@@ -2336,7 +2286,7 @@
       </p:grpSpPr>
       <p:sp>
         <p:nvSpPr>
-          <p:cNvPr id="2" name="Title 1"/>
+          <p:cNvPr id="2" name="標題 1"/>
           <p:cNvSpPr>
             <a:spLocks noGrp="1"/>
           </p:cNvSpPr>
@@ -2359,16 +2309,16 @@
           </a:lstStyle>
           <a:p>
             <a:r>
-              <a:rPr lang="en-US" smtClean="0"/>
+              <a:rPr lang="en-US" altLang="zh-TW" smtClean="0"/>
               <a:t>Click to edit Master title style</a:t>
             </a:r>
-            <a:endParaRPr lang="en-US"/>
-          </a:p>
-        </p:txBody>
-      </p:sp>
-      <p:sp>
-        <p:nvSpPr>
-          <p:cNvPr id="3" name="Picture Placeholder 2"/>
+            <a:endParaRPr lang="zh-TW" altLang="en-US"/>
+          </a:p>
+        </p:txBody>
+      </p:sp>
+      <p:sp>
+        <p:nvSpPr>
+          <p:cNvPr id="3" name="圖片版面配置區 2"/>
           <p:cNvSpPr>
             <a:spLocks noGrp="1"/>
           </p:cNvSpPr>
@@ -2423,13 +2373,17 @@
             </a:lvl9pPr>
           </a:lstStyle>
           <a:p>
-            <a:endParaRPr lang="en-US"/>
-          </a:p>
-        </p:txBody>
-      </p:sp>
-      <p:sp>
-        <p:nvSpPr>
-          <p:cNvPr id="4" name="Text Placeholder 3"/>
+            <a:r>
+              <a:rPr lang="en-US" altLang="zh-TW" smtClean="0"/>
+              <a:t>Click icon to add picture</a:t>
+            </a:r>
+            <a:endParaRPr lang="zh-TW" altLang="en-US"/>
+          </a:p>
+        </p:txBody>
+      </p:sp>
+      <p:sp>
+        <p:nvSpPr>
+          <p:cNvPr id="4" name="文字版面配置區 3"/>
           <p:cNvSpPr>
             <a:spLocks noGrp="1"/>
           </p:cNvSpPr>
@@ -2486,7 +2440,7 @@
           <a:p>
             <a:pPr lvl="0"/>
             <a:r>
-              <a:rPr lang="en-US" smtClean="0"/>
+              <a:rPr lang="en-US" altLang="zh-TW" smtClean="0"/>
               <a:t>Click to edit Master text styles</a:t>
             </a:r>
           </a:p>
@@ -2494,7 +2448,7 @@
       </p:sp>
       <p:sp>
         <p:nvSpPr>
-          <p:cNvPr id="5" name="Date Placeholder 4"/>
+          <p:cNvPr id="5" name="日期版面配置區 4"/>
           <p:cNvSpPr>
             <a:spLocks noGrp="1"/>
           </p:cNvSpPr>
@@ -2509,7 +2463,7 @@
           <a:p>
             <a:fld id="{FD6947A2-F02C-424A-9656-916B5CD7DE1B}" type="datetimeFigureOut">
               <a:rPr lang="en-US" smtClean="0"/>
-              <a:t>4/16/2019</a:t>
+              <a:t>4/17/2019</a:t>
             </a:fld>
             <a:endParaRPr lang="en-US"/>
           </a:p>
@@ -2517,7 +2471,7 @@
       </p:sp>
       <p:sp>
         <p:nvSpPr>
-          <p:cNvPr id="6" name="Footer Placeholder 5"/>
+          <p:cNvPr id="6" name="頁尾版面配置區 5"/>
           <p:cNvSpPr>
             <a:spLocks noGrp="1"/>
           </p:cNvSpPr>
@@ -2536,7 +2490,7 @@
       </p:sp>
       <p:sp>
         <p:nvSpPr>
-          <p:cNvPr id="7" name="Slide Number Placeholder 6"/>
+          <p:cNvPr id="7" name="投影片編號版面配置區 6"/>
           <p:cNvSpPr>
             <a:spLocks noGrp="1"/>
           </p:cNvSpPr>
@@ -2558,11 +2512,6 @@
         </p:txBody>
       </p:sp>
     </p:spTree>
-    <p:extLst>
-      <p:ext uri="{BB962C8B-B14F-4D97-AF65-F5344CB8AC3E}">
-        <p14:creationId xmlns:p14="http://schemas.microsoft.com/office/powerpoint/2010/main" val="3218681005"/>
-      </p:ext>
-    </p:extLst>
   </p:cSld>
   <p:clrMapOvr>
     <a:masterClrMapping/>
@@ -2574,9 +2523,14 @@
 <p:sldMaster xmlns:a="http://schemas.openxmlformats.org/drawingml/2006/main" xmlns:r="http://schemas.openxmlformats.org/officeDocument/2006/relationships" xmlns:p="http://schemas.openxmlformats.org/presentationml/2006/main">
   <p:cSld>
     <p:bg>
-      <p:bgRef idx="1001">
-        <a:schemeClr val="bg1"/>
-      </p:bgRef>
+      <p:bgPr>
+        <a:blipFill dpi="0" rotWithShape="1">
+          <a:blip r:embed="rId13"/>
+          <a:srcRect/>
+          <a:tile tx="0" ty="0" sx="100000" sy="100000" flip="none" algn="tl"/>
+        </a:blipFill>
+        <a:effectLst/>
+      </p:bgPr>
     </p:bg>
     <p:spTree>
       <p:nvGrpSpPr>
@@ -2594,7 +2548,7 @@
       </p:grpSpPr>
       <p:sp>
         <p:nvSpPr>
-          <p:cNvPr id="2" name="Title Placeholder 1"/>
+          <p:cNvPr id="2" name="標題版面配置區 1"/>
           <p:cNvSpPr>
             <a:spLocks noGrp="1"/>
           </p:cNvSpPr>
@@ -2618,16 +2572,16 @@
           <a:lstStyle/>
           <a:p>
             <a:r>
-              <a:rPr lang="en-US" smtClean="0"/>
-              <a:t>Click to edit Master title style</a:t>
-            </a:r>
-            <a:endParaRPr lang="en-US"/>
-          </a:p>
-        </p:txBody>
-      </p:sp>
-      <p:sp>
-        <p:nvSpPr>
-          <p:cNvPr id="3" name="Text Placeholder 2"/>
+              <a:rPr lang="zh-TW" altLang="en-US" smtClean="0"/>
+              <a:t>按一下以編輯母片標題樣式</a:t>
+            </a:r>
+            <a:endParaRPr lang="zh-TW" altLang="en-US"/>
+          </a:p>
+        </p:txBody>
+      </p:sp>
+      <p:sp>
+        <p:nvSpPr>
+          <p:cNvPr id="3" name="文字版面配置區 2"/>
           <p:cNvSpPr>
             <a:spLocks noGrp="1"/>
           </p:cNvSpPr>
@@ -2652,44 +2606,44 @@
           <a:p>
             <a:pPr lvl="0"/>
             <a:r>
-              <a:rPr lang="en-US" smtClean="0"/>
-              <a:t>Click to edit Master text styles</a:t>
+              <a:rPr lang="zh-TW" altLang="en-US" smtClean="0"/>
+              <a:t>按一下以編輯母片文字樣式</a:t>
             </a:r>
           </a:p>
           <a:p>
             <a:pPr lvl="1"/>
             <a:r>
-              <a:rPr lang="en-US" smtClean="0"/>
-              <a:t>Second level</a:t>
+              <a:rPr lang="zh-TW" altLang="en-US" smtClean="0"/>
+              <a:t>第二層</a:t>
             </a:r>
           </a:p>
           <a:p>
             <a:pPr lvl="2"/>
             <a:r>
-              <a:rPr lang="en-US" smtClean="0"/>
-              <a:t>Third level</a:t>
+              <a:rPr lang="zh-TW" altLang="en-US" smtClean="0"/>
+              <a:t>第三層</a:t>
             </a:r>
           </a:p>
           <a:p>
             <a:pPr lvl="3"/>
             <a:r>
-              <a:rPr lang="en-US" smtClean="0"/>
-              <a:t>Fourth level</a:t>
+              <a:rPr lang="zh-TW" altLang="en-US" smtClean="0"/>
+              <a:t>第四層</a:t>
             </a:r>
           </a:p>
           <a:p>
             <a:pPr lvl="4"/>
             <a:r>
-              <a:rPr lang="en-US" smtClean="0"/>
-              <a:t>Fifth level</a:t>
-            </a:r>
-            <a:endParaRPr lang="en-US"/>
-          </a:p>
-        </p:txBody>
-      </p:sp>
-      <p:sp>
-        <p:nvSpPr>
-          <p:cNvPr id="4" name="Date Placeholder 3"/>
+              <a:rPr lang="zh-TW" altLang="en-US" smtClean="0"/>
+              <a:t>第五層</a:t>
+            </a:r>
+            <a:endParaRPr lang="zh-TW" altLang="en-US"/>
+          </a:p>
+        </p:txBody>
+      </p:sp>
+      <p:sp>
+        <p:nvSpPr>
+          <p:cNvPr id="4" name="日期版面配置區 3"/>
           <p:cNvSpPr>
             <a:spLocks noGrp="1"/>
           </p:cNvSpPr>
@@ -2722,7 +2676,7 @@
           <a:p>
             <a:fld id="{FD6947A2-F02C-424A-9656-916B5CD7DE1B}" type="datetimeFigureOut">
               <a:rPr lang="en-US" smtClean="0"/>
-              <a:t>4/16/2019</a:t>
+              <a:t>4/17/2019</a:t>
             </a:fld>
             <a:endParaRPr lang="en-US"/>
           </a:p>
@@ -2730,7 +2684,7 @@
       </p:sp>
       <p:sp>
         <p:nvSpPr>
-          <p:cNvPr id="5" name="Footer Placeholder 4"/>
+          <p:cNvPr id="5" name="頁尾版面配置區 4"/>
           <p:cNvSpPr>
             <a:spLocks noGrp="1"/>
           </p:cNvSpPr>
@@ -2767,7 +2721,7 @@
       </p:sp>
       <p:sp>
         <p:nvSpPr>
-          <p:cNvPr id="6" name="Slide Number Placeholder 5"/>
+          <p:cNvPr id="6" name="投影片編號版面配置區 5"/>
           <p:cNvSpPr>
             <a:spLocks noGrp="1"/>
           </p:cNvSpPr>
@@ -2807,25 +2761,20 @@
         </p:txBody>
       </p:sp>
     </p:spTree>
-    <p:extLst>
-      <p:ext uri="{BB962C8B-B14F-4D97-AF65-F5344CB8AC3E}">
-        <p14:creationId xmlns:p14="http://schemas.microsoft.com/office/powerpoint/2010/main" val="1420940894"/>
-      </p:ext>
-    </p:extLst>
   </p:cSld>
   <p:clrMap bg1="lt1" tx1="dk1" bg2="lt2" tx2="dk2" accent1="accent1" accent2="accent2" accent3="accent3" accent4="accent4" accent5="accent5" accent6="accent6" hlink="hlink" folHlink="folHlink"/>
   <p:sldLayoutIdLst>
-    <p:sldLayoutId id="2147483649" r:id="rId1"/>
-    <p:sldLayoutId id="2147483650" r:id="rId2"/>
-    <p:sldLayoutId id="2147483651" r:id="rId3"/>
-    <p:sldLayoutId id="2147483652" r:id="rId4"/>
-    <p:sldLayoutId id="2147483653" r:id="rId5"/>
-    <p:sldLayoutId id="2147483654" r:id="rId6"/>
-    <p:sldLayoutId id="2147483655" r:id="rId7"/>
-    <p:sldLayoutId id="2147483656" r:id="rId8"/>
-    <p:sldLayoutId id="2147483657" r:id="rId9"/>
-    <p:sldLayoutId id="2147483658" r:id="rId10"/>
-    <p:sldLayoutId id="2147483659" r:id="rId11"/>
+    <p:sldLayoutId id="2147483661" r:id="rId1"/>
+    <p:sldLayoutId id="2147483662" r:id="rId2"/>
+    <p:sldLayoutId id="2147483663" r:id="rId3"/>
+    <p:sldLayoutId id="2147483664" r:id="rId4"/>
+    <p:sldLayoutId id="2147483665" r:id="rId5"/>
+    <p:sldLayoutId id="2147483666" r:id="rId6"/>
+    <p:sldLayoutId id="2147483667" r:id="rId7"/>
+    <p:sldLayoutId id="2147483668" r:id="rId8"/>
+    <p:sldLayoutId id="2147483669" r:id="rId9"/>
+    <p:sldLayoutId id="2147483670" r:id="rId10"/>
+    <p:sldLayoutId id="2147483671" r:id="rId11"/>
   </p:sldLayoutIdLst>
   <p:txStyles>
     <p:titleStyle>
@@ -2983,7 +2932,7 @@
     </p:bodyStyle>
     <p:otherStyle>
       <a:defPPr>
-        <a:defRPr lang="en-US"/>
+        <a:defRPr lang="zh-TW"/>
       </a:defPPr>
       <a:lvl1pPr marL="0" algn="l" defTabSz="914400" rtl="0" eaLnBrk="1" latinLnBrk="0" hangingPunct="1">
         <a:defRPr sz="1800" kern="1200">
@@ -3114,12 +3063,18 @@
           <a:p>
             <a:r>
               <a:rPr lang="zh-CN" altLang="en-US" b="1" dirty="0" smtClean="0">
+                <a:solidFill>
+                  <a:srgbClr val="002060"/>
+                </a:solidFill>
                 <a:latin typeface="Microsoft JhengHei" pitchFamily="34" charset="-120"/>
                 <a:ea typeface="Microsoft JhengHei" pitchFamily="34" charset="-120"/>
               </a:rPr>
               <a:t>為我</a:t>
             </a:r>
             <a:endParaRPr lang="en-US" b="1" dirty="0">
+              <a:solidFill>
+                <a:srgbClr val="002060"/>
+              </a:solidFill>
               <a:latin typeface="Microsoft JhengHei" pitchFamily="34" charset="-120"/>
               <a:ea typeface="Microsoft JhengHei" pitchFamily="34" charset="-120"/>
             </a:endParaRPr>
@@ -3147,13 +3102,19 @@
               <a:buNone/>
             </a:pPr>
             <a:r>
-              <a:rPr lang="zh-CN" altLang="en-US" sz="5400" b="1" dirty="0" smtClean="0">
+              <a:rPr lang="zh-TW" altLang="en-US" sz="5400" b="1" dirty="0">
+                <a:solidFill>
+                  <a:srgbClr val="002060"/>
+                </a:solidFill>
                 <a:latin typeface="Microsoft JhengHei" pitchFamily="34" charset="-120"/>
                 <a:ea typeface="Microsoft JhengHei" pitchFamily="34" charset="-120"/>
               </a:rPr>
-              <a:t>聖城耶路撒冷</a:t>
-            </a:r>
-            <a:endParaRPr lang="en-US" altLang="zh-CN" sz="5400" b="1" dirty="0" smtClean="0">
+              <a:t>聖城耶路撒冷 </a:t>
+            </a:r>
+            <a:endParaRPr lang="en-US" altLang="zh-TW" sz="5400" b="1" dirty="0">
+              <a:solidFill>
+                <a:srgbClr val="002060"/>
+              </a:solidFill>
               <a:latin typeface="Microsoft JhengHei" pitchFamily="34" charset="-120"/>
               <a:ea typeface="Microsoft JhengHei" pitchFamily="34" charset="-120"/>
             </a:endParaRPr>
@@ -3163,13 +3124,29 @@
               <a:buNone/>
             </a:pPr>
             <a:r>
-              <a:rPr lang="zh-CN" altLang="en-US" sz="5400" b="1" dirty="0" smtClean="0">
+              <a:rPr lang="zh-TW" altLang="en-US" sz="5400" b="1" dirty="0">
+                <a:solidFill>
+                  <a:srgbClr val="002060"/>
+                </a:solidFill>
                 <a:latin typeface="Microsoft JhengHei" pitchFamily="34" charset="-120"/>
                 <a:ea typeface="Microsoft JhengHei" pitchFamily="34" charset="-120"/>
               </a:rPr>
-              <a:t>？民呼喊之聲</a:t>
-            </a:r>
-            <a:endParaRPr lang="en-US" altLang="zh-CN" sz="5400" b="1" dirty="0" smtClean="0">
+              <a:t>亂</a:t>
+            </a:r>
+            <a:r>
+              <a:rPr lang="zh-TW" altLang="en-US" sz="5400" b="1" dirty="0">
+                <a:solidFill>
+                  <a:srgbClr val="002060"/>
+                </a:solidFill>
+                <a:latin typeface="Microsoft JhengHei" pitchFamily="34" charset="-120"/>
+                <a:ea typeface="Microsoft JhengHei" pitchFamily="34" charset="-120"/>
+              </a:rPr>
+              <a:t>民呼喊之聲 </a:t>
+            </a:r>
+            <a:endParaRPr lang="en-US" altLang="zh-TW" sz="5400" b="1" dirty="0">
+              <a:solidFill>
+                <a:srgbClr val="002060"/>
+              </a:solidFill>
               <a:latin typeface="Microsoft JhengHei" pitchFamily="34" charset="-120"/>
               <a:ea typeface="Microsoft JhengHei" pitchFamily="34" charset="-120"/>
             </a:endParaRPr>
@@ -3179,13 +3156,29 @@
               <a:buNone/>
             </a:pPr>
             <a:r>
-              <a:rPr lang="zh-CN" altLang="en-US" sz="5400" b="1" dirty="0" smtClean="0">
+              <a:rPr lang="zh-TW" altLang="en-US" sz="5400" b="1" dirty="0">
+                <a:solidFill>
+                  <a:srgbClr val="002060"/>
+                </a:solidFill>
                 <a:latin typeface="Microsoft JhengHei" pitchFamily="34" charset="-120"/>
                 <a:ea typeface="Microsoft JhengHei" pitchFamily="34" charset="-120"/>
               </a:rPr>
-              <a:t>神子城外捨身</a:t>
-            </a:r>
-            <a:endParaRPr lang="en-US" altLang="zh-CN" sz="5400" b="1" dirty="0" smtClean="0">
+              <a:t>神</a:t>
+            </a:r>
+            <a:r>
+              <a:rPr lang="zh-TW" altLang="en-US" sz="5400" b="1" dirty="0">
+                <a:solidFill>
+                  <a:srgbClr val="002060"/>
+                </a:solidFill>
+                <a:latin typeface="Microsoft JhengHei" pitchFamily="34" charset="-120"/>
+                <a:ea typeface="Microsoft JhengHei" pitchFamily="34" charset="-120"/>
+              </a:rPr>
+              <a:t>子城外捨生 </a:t>
+            </a:r>
+            <a:endParaRPr lang="en-US" altLang="zh-TW" sz="5400" b="1" dirty="0">
+              <a:solidFill>
+                <a:srgbClr val="002060"/>
+              </a:solidFill>
               <a:latin typeface="Microsoft JhengHei" pitchFamily="34" charset="-120"/>
               <a:ea typeface="Microsoft JhengHei" pitchFamily="34" charset="-120"/>
             </a:endParaRPr>
@@ -3195,27 +3188,29 @@
               <a:buNone/>
             </a:pPr>
             <a:r>
-              <a:rPr lang="zh-CN" altLang="en-US" sz="5400" b="1" dirty="0">
+              <a:rPr lang="zh-TW" altLang="en-US" sz="5400" b="1" dirty="0">
+                <a:solidFill>
+                  <a:srgbClr val="002060"/>
+                </a:solidFill>
                 <a:latin typeface="Microsoft JhengHei" pitchFamily="34" charset="-120"/>
                 <a:ea typeface="Microsoft JhengHei" pitchFamily="34" charset="-120"/>
               </a:rPr>
-              <a:t>為</a:t>
-            </a:r>
-            <a:r>
-              <a:rPr lang="zh-CN" altLang="en-US" sz="5400" b="1" dirty="0" smtClean="0">
+              <a:t>為我   為我   為</a:t>
+            </a:r>
+            <a:r>
+              <a:rPr lang="zh-TW" altLang="en-US" sz="5400" b="1" dirty="0">
+                <a:solidFill>
+                  <a:srgbClr val="002060"/>
+                </a:solidFill>
                 <a:latin typeface="Microsoft JhengHei" pitchFamily="34" charset="-120"/>
                 <a:ea typeface="Microsoft JhengHei" pitchFamily="34" charset="-120"/>
               </a:rPr>
               <a:t>我</a:t>
             </a:r>
-            <a:r>
-              <a:rPr lang="zh-CN" altLang="en-US" sz="5400" b="1" dirty="0" smtClean="0">
-                <a:latin typeface="Microsoft JhengHei" pitchFamily="34" charset="-120"/>
-                <a:ea typeface="Microsoft JhengHei" pitchFamily="34" charset="-120"/>
-              </a:rPr>
-              <a:t>為我</a:t>
-            </a:r>
             <a:endParaRPr lang="en-US" sz="5400" b="1" dirty="0">
+              <a:solidFill>
+                <a:srgbClr val="002060"/>
+              </a:solidFill>
               <a:latin typeface="Microsoft JhengHei" pitchFamily="34" charset="-120"/>
               <a:ea typeface="Microsoft JhengHei" pitchFamily="34" charset="-120"/>
             </a:endParaRPr>
@@ -3225,7 +3220,7 @@
     </p:spTree>
     <p:extLst>
       <p:ext uri="{BB962C8B-B14F-4D97-AF65-F5344CB8AC3E}">
-        <p14:creationId xmlns:p14="http://schemas.microsoft.com/office/powerpoint/2010/main" val="767007444"/>
+        <p14:creationId xmlns:p14="http://schemas.microsoft.com/office/powerpoint/2010/main" val="3073226248"/>
       </p:ext>
     </p:extLst>
   </p:cSld>
@@ -3269,12 +3264,18 @@
           <a:p>
             <a:r>
               <a:rPr lang="zh-CN" altLang="en-US" b="1" dirty="0" smtClean="0">
+                <a:solidFill>
+                  <a:srgbClr val="002060"/>
+                </a:solidFill>
                 <a:latin typeface="Microsoft JhengHei" pitchFamily="34" charset="-120"/>
                 <a:ea typeface="Microsoft JhengHei" pitchFamily="34" charset="-120"/>
               </a:rPr>
               <a:t>為我</a:t>
             </a:r>
             <a:endParaRPr lang="en-US" b="1" dirty="0">
+              <a:solidFill>
+                <a:srgbClr val="002060"/>
+              </a:solidFill>
               <a:latin typeface="Microsoft JhengHei" pitchFamily="34" charset="-120"/>
               <a:ea typeface="Microsoft JhengHei" pitchFamily="34" charset="-120"/>
             </a:endParaRPr>
@@ -3302,20 +3303,51 @@
               <a:buNone/>
             </a:pPr>
             <a:r>
-              <a:rPr lang="zh-CN" altLang="en-US" sz="5400" b="1" dirty="0">
+              <a:rPr lang="zh-TW" altLang="en-US" sz="5400" b="1" dirty="0">
+                <a:solidFill>
+                  <a:srgbClr val="002060"/>
+                </a:solidFill>
                 <a:latin typeface="Microsoft JhengHei" pitchFamily="34" charset="-120"/>
                 <a:ea typeface="Microsoft JhengHei" pitchFamily="34" charset="-120"/>
               </a:rPr>
-              <a:t>頭</a:t>
-            </a:r>
-            <a:r>
-              <a:rPr lang="zh-CN" altLang="en-US" sz="5400" b="1" dirty="0" smtClean="0">
+              <a:t>頭戴荆棘冠冕 </a:t>
+            </a:r>
+            <a:endParaRPr lang="en-US" altLang="zh-TW" sz="5400" b="1" dirty="0">
+              <a:solidFill>
+                <a:srgbClr val="002060"/>
+              </a:solidFill>
+              <a:latin typeface="Microsoft JhengHei" pitchFamily="34" charset="-120"/>
+              <a:ea typeface="Microsoft JhengHei" pitchFamily="34" charset="-120"/>
+            </a:endParaRPr>
+          </a:p>
+          <a:p>
+            <a:pPr marL="0" indent="0" algn="ctr">
+              <a:buNone/>
+            </a:pPr>
+            <a:r>
+              <a:rPr lang="zh-TW" altLang="en-US" sz="5400" b="1" dirty="0">
+                <a:solidFill>
+                  <a:srgbClr val="002060"/>
+                </a:solidFill>
                 <a:latin typeface="Microsoft JhengHei" pitchFamily="34" charset="-120"/>
                 <a:ea typeface="Microsoft JhengHei" pitchFamily="34" charset="-120"/>
               </a:rPr>
-              <a:t>戴？？冠冕</a:t>
-            </a:r>
-            <a:endParaRPr lang="en-US" altLang="zh-CN" sz="5400" b="1" dirty="0" smtClean="0">
+              <a:t>血</a:t>
+            </a:r>
+            <a:r>
+              <a:rPr lang="zh-TW" altLang="en-US" sz="5400" b="1" dirty="0">
+                <a:solidFill>
+                  <a:srgbClr val="002060"/>
+                </a:solidFill>
+                <a:latin typeface="Microsoft JhengHei" pitchFamily="34" charset="-120"/>
+                <a:ea typeface="Microsoft JhengHei" pitchFamily="34" charset="-120"/>
+              </a:rPr>
+              <a:t>汗下流滿面 </a:t>
+            </a:r>
+            <a:endParaRPr lang="en-US" altLang="zh-TW" sz="5400" b="1" dirty="0">
+              <a:solidFill>
+                <a:srgbClr val="002060"/>
+              </a:solidFill>
               <a:latin typeface="Microsoft JhengHei" pitchFamily="34" charset="-120"/>
               <a:ea typeface="Microsoft JhengHei" pitchFamily="34" charset="-120"/>
             </a:endParaRPr>
@@ -3325,13 +3357,29 @@
               <a:buNone/>
             </a:pPr>
             <a:r>
-              <a:rPr lang="zh-CN" altLang="en-US" sz="5400" b="1" dirty="0" smtClean="0">
+              <a:rPr lang="zh-TW" altLang="en-US" sz="5400" b="1" dirty="0">
+                <a:solidFill>
+                  <a:srgbClr val="002060"/>
+                </a:solidFill>
                 <a:latin typeface="Microsoft JhengHei" pitchFamily="34" charset="-120"/>
                 <a:ea typeface="Microsoft JhengHei" pitchFamily="34" charset="-120"/>
               </a:rPr>
-              <a:t>血汗下流滿面</a:t>
-            </a:r>
-            <a:endParaRPr lang="en-US" altLang="zh-CN" sz="5400" b="1" dirty="0" smtClean="0">
+              <a:t>擔</a:t>
+            </a:r>
+            <a:r>
+              <a:rPr lang="zh-TW" altLang="en-US" sz="5400" b="1" dirty="0">
+                <a:solidFill>
+                  <a:srgbClr val="002060"/>
+                </a:solidFill>
+                <a:latin typeface="Microsoft JhengHei" pitchFamily="34" charset="-120"/>
+                <a:ea typeface="Microsoft JhengHei" pitchFamily="34" charset="-120"/>
+              </a:rPr>
+              <a:t>負十架在肩 </a:t>
+            </a:r>
+            <a:endParaRPr lang="en-US" altLang="zh-TW" sz="5400" b="1" dirty="0">
+              <a:solidFill>
+                <a:srgbClr val="002060"/>
+              </a:solidFill>
               <a:latin typeface="Microsoft JhengHei" pitchFamily="34" charset="-120"/>
               <a:ea typeface="Microsoft JhengHei" pitchFamily="34" charset="-120"/>
             </a:endParaRPr>
@@ -3341,46 +3389,39 @@
               <a:buNone/>
             </a:pPr>
             <a:r>
-              <a:rPr lang="zh-CN" altLang="en-US" sz="5400" b="1" dirty="0" smtClean="0">
+              <a:rPr lang="zh-TW" altLang="en-US" sz="5400" b="1" dirty="0">
+                <a:solidFill>
+                  <a:srgbClr val="002060"/>
+                </a:solidFill>
                 <a:latin typeface="Microsoft JhengHei" pitchFamily="34" charset="-120"/>
                 <a:ea typeface="Microsoft JhengHei" pitchFamily="34" charset="-120"/>
               </a:rPr>
-              <a:t>擔？十架在？</a:t>
-            </a:r>
-            <a:endParaRPr lang="en-US" altLang="zh-CN" sz="5400" b="1" dirty="0" smtClean="0">
+              <a:t>為我   為我   為</a:t>
+            </a:r>
+            <a:r>
+              <a:rPr lang="zh-TW" altLang="en-US" sz="5400" b="1" dirty="0">
+                <a:solidFill>
+                  <a:srgbClr val="002060"/>
+                </a:solidFill>
+                <a:latin typeface="Microsoft JhengHei" pitchFamily="34" charset="-120"/>
+                <a:ea typeface="Microsoft JhengHei" pitchFamily="34" charset="-120"/>
+              </a:rPr>
+              <a:t>我</a:t>
+            </a:r>
+            <a:endParaRPr lang="en-US" sz="5400" b="1" dirty="0">
+              <a:solidFill>
+                <a:srgbClr val="002060"/>
+              </a:solidFill>
               <a:latin typeface="Microsoft JhengHei" pitchFamily="34" charset="-120"/>
               <a:ea typeface="Microsoft JhengHei" pitchFamily="34" charset="-120"/>
             </a:endParaRPr>
           </a:p>
-          <a:p>
-            <a:pPr marL="0" indent="0" algn="ctr">
-              <a:buNone/>
-            </a:pPr>
-            <a:r>
-              <a:rPr lang="zh-CN" altLang="en-US" sz="5400" b="1" dirty="0" smtClean="0">
-                <a:latin typeface="Microsoft JhengHei" pitchFamily="34" charset="-120"/>
-                <a:ea typeface="Microsoft JhengHei" pitchFamily="34" charset="-120"/>
-              </a:rPr>
-              <a:t>為我</a:t>
-            </a:r>
-            <a:r>
-              <a:rPr lang="zh-CN" altLang="en-US" sz="5400" b="1" dirty="0" smtClean="0">
-                <a:latin typeface="Microsoft JhengHei" pitchFamily="34" charset="-120"/>
-                <a:ea typeface="Microsoft JhengHei" pitchFamily="34" charset="-120"/>
-              </a:rPr>
-              <a:t>為我</a:t>
-            </a:r>
-            <a:endParaRPr lang="en-US" sz="5400" b="1" dirty="0">
-              <a:latin typeface="Microsoft JhengHei" pitchFamily="34" charset="-120"/>
-              <a:ea typeface="Microsoft JhengHei" pitchFamily="34" charset="-120"/>
-            </a:endParaRPr>
-          </a:p>
         </p:txBody>
       </p:sp>
     </p:spTree>
     <p:extLst>
       <p:ext uri="{BB962C8B-B14F-4D97-AF65-F5344CB8AC3E}">
-        <p14:creationId xmlns:p14="http://schemas.microsoft.com/office/powerpoint/2010/main" val="2381168778"/>
+        <p14:creationId xmlns:p14="http://schemas.microsoft.com/office/powerpoint/2010/main" val="4092134606"/>
       </p:ext>
     </p:extLst>
   </p:cSld>
@@ -3424,12 +3465,18 @@
           <a:p>
             <a:r>
               <a:rPr lang="zh-CN" altLang="en-US" b="1" dirty="0" smtClean="0">
+                <a:solidFill>
+                  <a:srgbClr val="002060"/>
+                </a:solidFill>
                 <a:latin typeface="Microsoft JhengHei" pitchFamily="34" charset="-120"/>
                 <a:ea typeface="Microsoft JhengHei" pitchFamily="34" charset="-120"/>
               </a:rPr>
               <a:t>為我</a:t>
             </a:r>
             <a:endParaRPr lang="en-US" b="1" dirty="0">
+              <a:solidFill>
+                <a:srgbClr val="002060"/>
+              </a:solidFill>
               <a:latin typeface="Microsoft JhengHei" pitchFamily="34" charset="-120"/>
               <a:ea typeface="Microsoft JhengHei" pitchFamily="34" charset="-120"/>
             </a:endParaRPr>
@@ -3457,13 +3504,19 @@
               <a:buNone/>
             </a:pPr>
             <a:r>
-              <a:rPr lang="zh-CN" altLang="en-US" sz="5400" b="1" dirty="0" smtClean="0">
+              <a:rPr lang="zh-TW" altLang="en-US" sz="5400" b="1" dirty="0">
+                <a:solidFill>
+                  <a:srgbClr val="002060"/>
+                </a:solidFill>
                 <a:latin typeface="Microsoft JhengHei" pitchFamily="34" charset="-120"/>
                 <a:ea typeface="Microsoft JhengHei" pitchFamily="34" charset="-120"/>
               </a:rPr>
-              <a:t>？想所講？行</a:t>
-            </a:r>
-            <a:endParaRPr lang="en-US" altLang="zh-CN" sz="5400" b="1" dirty="0" smtClean="0">
+              <a:t>所想所講所行 </a:t>
+            </a:r>
+            <a:endParaRPr lang="en-US" altLang="zh-TW" sz="5400" b="1" dirty="0">
+              <a:solidFill>
+                <a:srgbClr val="002060"/>
+              </a:solidFill>
               <a:latin typeface="Microsoft JhengHei" pitchFamily="34" charset="-120"/>
               <a:ea typeface="Microsoft JhengHei" pitchFamily="34" charset="-120"/>
             </a:endParaRPr>
@@ -3473,13 +3526,29 @@
               <a:buNone/>
             </a:pPr>
             <a:r>
-              <a:rPr lang="zh-CN" altLang="en-US" sz="5400" b="1" dirty="0" smtClean="0">
+              <a:rPr lang="zh-TW" altLang="en-US" sz="5400" b="1" dirty="0">
+                <a:solidFill>
+                  <a:srgbClr val="002060"/>
+                </a:solidFill>
                 <a:latin typeface="Microsoft JhengHei" pitchFamily="34" charset="-120"/>
                 <a:ea typeface="Microsoft JhengHei" pitchFamily="34" charset="-120"/>
               </a:rPr>
-              <a:t>照神旨意完成</a:t>
-            </a:r>
-            <a:endParaRPr lang="en-US" altLang="zh-CN" sz="5400" b="1" dirty="0" smtClean="0">
+              <a:t>照</a:t>
+            </a:r>
+            <a:r>
+              <a:rPr lang="zh-TW" altLang="en-US" sz="5400" b="1" dirty="0">
+                <a:solidFill>
+                  <a:srgbClr val="002060"/>
+                </a:solidFill>
+                <a:latin typeface="Microsoft JhengHei" pitchFamily="34" charset="-120"/>
+                <a:ea typeface="Microsoft JhengHei" pitchFamily="34" charset="-120"/>
+              </a:rPr>
+              <a:t>神旨意完成 </a:t>
+            </a:r>
+            <a:endParaRPr lang="en-US" altLang="zh-TW" sz="5400" b="1" dirty="0">
+              <a:solidFill>
+                <a:srgbClr val="002060"/>
+              </a:solidFill>
               <a:latin typeface="Microsoft JhengHei" pitchFamily="34" charset="-120"/>
               <a:ea typeface="Microsoft JhengHei" pitchFamily="34" charset="-120"/>
             </a:endParaRPr>
@@ -3489,13 +3558,29 @@
               <a:buNone/>
             </a:pPr>
             <a:r>
-              <a:rPr lang="zh-CN" altLang="en-US" sz="5400" b="1" smtClean="0">
+              <a:rPr lang="zh-TW" altLang="en-US" sz="5400" b="1" dirty="0">
+                <a:solidFill>
+                  <a:srgbClr val="002060"/>
+                </a:solidFill>
                 <a:latin typeface="Microsoft JhengHei" pitchFamily="34" charset="-120"/>
                 <a:ea typeface="Microsoft JhengHei" pitchFamily="34" charset="-120"/>
               </a:rPr>
-              <a:t>你今？願捨命</a:t>
-            </a:r>
-            <a:endParaRPr lang="en-US" altLang="zh-CN" sz="5400" b="1" dirty="0" smtClean="0">
+              <a:t>袮</a:t>
+            </a:r>
+            <a:r>
+              <a:rPr lang="zh-TW" altLang="en-US" sz="5400" b="1" dirty="0">
+                <a:solidFill>
+                  <a:srgbClr val="002060"/>
+                </a:solidFill>
+                <a:latin typeface="Microsoft JhengHei" pitchFamily="34" charset="-120"/>
+                <a:ea typeface="Microsoft JhengHei" pitchFamily="34" charset="-120"/>
+              </a:rPr>
+              <a:t>今情願捨命 </a:t>
+            </a:r>
+            <a:endParaRPr lang="en-US" altLang="zh-TW" sz="5400" b="1" dirty="0">
+              <a:solidFill>
+                <a:srgbClr val="002060"/>
+              </a:solidFill>
               <a:latin typeface="Microsoft JhengHei" pitchFamily="34" charset="-120"/>
               <a:ea typeface="Microsoft JhengHei" pitchFamily="34" charset="-120"/>
             </a:endParaRPr>
@@ -3505,20 +3590,29 @@
               <a:buNone/>
             </a:pPr>
             <a:r>
-              <a:rPr lang="zh-CN" altLang="en-US" sz="5400" b="1" dirty="0" smtClean="0">
+              <a:rPr lang="zh-TW" altLang="en-US" sz="5400" b="1" dirty="0">
+                <a:solidFill>
+                  <a:srgbClr val="002060"/>
+                </a:solidFill>
                 <a:latin typeface="Microsoft JhengHei" pitchFamily="34" charset="-120"/>
                 <a:ea typeface="Microsoft JhengHei" pitchFamily="34" charset="-120"/>
               </a:rPr>
-              <a:t>為我</a:t>
-            </a:r>
-            <a:r>
-              <a:rPr lang="zh-CN" altLang="en-US" sz="5400" b="1" dirty="0" smtClean="0">
+              <a:t>為我   為我   為</a:t>
+            </a:r>
+            <a:r>
+              <a:rPr lang="zh-TW" altLang="en-US" sz="5400" b="1" dirty="0">
+                <a:solidFill>
+                  <a:srgbClr val="002060"/>
+                </a:solidFill>
                 <a:latin typeface="Microsoft JhengHei" pitchFamily="34" charset="-120"/>
                 <a:ea typeface="Microsoft JhengHei" pitchFamily="34" charset="-120"/>
               </a:rPr>
-              <a:t>為我</a:t>
+              <a:t>我</a:t>
             </a:r>
             <a:endParaRPr lang="en-US" sz="5400" b="1" dirty="0">
+              <a:solidFill>
+                <a:srgbClr val="002060"/>
+              </a:solidFill>
               <a:latin typeface="Microsoft JhengHei" pitchFamily="34" charset="-120"/>
               <a:ea typeface="Microsoft JhengHei" pitchFamily="34" charset="-120"/>
             </a:endParaRPr>
@@ -3528,7 +3622,7 @@
     </p:spTree>
     <p:extLst>
       <p:ext uri="{BB962C8B-B14F-4D97-AF65-F5344CB8AC3E}">
-        <p14:creationId xmlns:p14="http://schemas.microsoft.com/office/powerpoint/2010/main" val="3179745440"/>
+        <p14:creationId xmlns:p14="http://schemas.microsoft.com/office/powerpoint/2010/main" val="1266619039"/>
       </p:ext>
     </p:extLst>
   </p:cSld>
@@ -3539,7 +3633,7 @@
 </file>
 
 <file path=ppt/theme/theme1.xml><?xml version="1.0" encoding="utf-8"?>
-<a:theme xmlns:a="http://schemas.openxmlformats.org/drawingml/2006/main" name="Office Theme">
+<a:theme xmlns:a="http://schemas.openxmlformats.org/drawingml/2006/main" name="Church Theme">
   <a:themeElements>
     <a:clrScheme name="Office">
       <a:dk1>
@@ -3613,7 +3707,6 @@
         <a:font script="Mong" typeface="Mongolian Baiti"/>
         <a:font script="Viet" typeface="Times New Roman"/>
         <a:font script="Uigh" typeface="Microsoft Uighur"/>
-        <a:font script="Geor" typeface="Sylfaen"/>
       </a:majorFont>
       <a:minorFont>
         <a:latin typeface="Calibri"/>
@@ -3648,7 +3741,6 @@
         <a:font script="Mong" typeface="Mongolian Baiti"/>
         <a:font script="Viet" typeface="Arial"/>
         <a:font script="Uigh" typeface="Microsoft Uighur"/>
-        <a:font script="Geor" typeface="Sylfaen"/>
       </a:minorFont>
     </a:fontScheme>
     <a:fmtScheme name="Office">

--- a/為我.pptx
+++ b/為我.pptx
@@ -9,7 +9,7 @@
     <p:sldId id="257" r:id="rId3"/>
     <p:sldId id="258" r:id="rId4"/>
   </p:sldIdLst>
-  <p:sldSz cx="9144000" cy="6858000" type="screen4x3"/>
+  <p:sldSz cx="12192000" cy="6858000"/>
   <p:notesSz cx="6858000" cy="9144000"/>
   <p:defaultTextStyle>
     <a:defPPr>
@@ -106,6 +106,22 @@
       </a:defRPr>
     </a:lvl9pPr>
   </p:defaultTextStyle>
+  <p:extLst>
+    <p:ext uri="{EFAFB233-063F-42B5-8137-9DF3F51BA10A}">
+      <p15:sldGuideLst xmlns:p15="http://schemas.microsoft.com/office/powerpoint/2012/main">
+        <p15:guide id="1" orient="horz" pos="2160" userDrawn="1">
+          <p15:clr>
+            <a:srgbClr val="A4A3A4"/>
+          </p15:clr>
+        </p15:guide>
+        <p15:guide id="2" pos="3840" userDrawn="1">
+          <p15:clr>
+            <a:srgbClr val="A4A3A4"/>
+          </p15:clr>
+        </p15:guide>
+      </p15:sldGuideLst>
+    </p:ext>
+  </p:extLst>
 </p:presentation>
 </file>
 
@@ -138,8 +154,8 @@
         </p:nvSpPr>
         <p:spPr>
           <a:xfrm>
-            <a:off x="685800" y="2130425"/>
-            <a:ext cx="7772400" cy="1470025"/>
+            <a:off x="914400" y="2130426"/>
+            <a:ext cx="10363200" cy="1470025"/>
           </a:xfrm>
         </p:spPr>
         <p:txBody>
@@ -166,8 +182,8 @@
         </p:nvSpPr>
         <p:spPr>
           <a:xfrm>
-            <a:off x="1371600" y="3886200"/>
-            <a:ext cx="6400800" cy="1752600"/>
+            <a:off x="1828800" y="3886200"/>
+            <a:ext cx="8534400" cy="1752600"/>
           </a:xfrm>
         </p:spPr>
         <p:txBody>
@@ -290,7 +306,7 @@
           <a:p>
             <a:fld id="{FD6947A2-F02C-424A-9656-916B5CD7DE1B}" type="datetimeFigureOut">
               <a:rPr lang="en-US" smtClean="0"/>
-              <a:t>4/17/2019</a:t>
+              <a:t>4/7/2020</a:t>
             </a:fld>
             <a:endParaRPr lang="en-US"/>
           </a:p>
@@ -455,7 +471,7 @@
           <a:p>
             <a:fld id="{FD6947A2-F02C-424A-9656-916B5CD7DE1B}" type="datetimeFigureOut">
               <a:rPr lang="en-US" smtClean="0"/>
-              <a:t>4/17/2019</a:t>
+              <a:t>4/7/2020</a:t>
             </a:fld>
             <a:endParaRPr lang="en-US"/>
           </a:p>
@@ -540,8 +556,8 @@
         </p:nvSpPr>
         <p:spPr>
           <a:xfrm>
-            <a:off x="6629400" y="274638"/>
-            <a:ext cx="2057400" cy="5851525"/>
+            <a:off x="8839200" y="274639"/>
+            <a:ext cx="2743200" cy="5851525"/>
           </a:xfrm>
         </p:spPr>
         <p:txBody>
@@ -568,8 +584,8 @@
         </p:nvSpPr>
         <p:spPr>
           <a:xfrm>
-            <a:off x="457200" y="274638"/>
-            <a:ext cx="6019800" cy="5851525"/>
+            <a:off x="609600" y="274639"/>
+            <a:ext cx="8026400" cy="5851525"/>
           </a:xfrm>
         </p:spPr>
         <p:txBody>
@@ -630,7 +646,7 @@
           <a:p>
             <a:fld id="{FD6947A2-F02C-424A-9656-916B5CD7DE1B}" type="datetimeFigureOut">
               <a:rPr lang="en-US" smtClean="0"/>
-              <a:t>4/17/2019</a:t>
+              <a:t>4/7/2020</a:t>
             </a:fld>
             <a:endParaRPr lang="en-US"/>
           </a:p>
@@ -795,7 +811,7 @@
           <a:p>
             <a:fld id="{FD6947A2-F02C-424A-9656-916B5CD7DE1B}" type="datetimeFigureOut">
               <a:rPr lang="en-US" smtClean="0"/>
-              <a:t>4/17/2019</a:t>
+              <a:t>4/7/2020</a:t>
             </a:fld>
             <a:endParaRPr lang="en-US"/>
           </a:p>
@@ -880,8 +896,8 @@
         </p:nvSpPr>
         <p:spPr>
           <a:xfrm>
-            <a:off x="722313" y="4406900"/>
-            <a:ext cx="7772400" cy="1362075"/>
+            <a:off x="963084" y="4406901"/>
+            <a:ext cx="10363200" cy="1362075"/>
           </a:xfrm>
         </p:spPr>
         <p:txBody>
@@ -912,8 +928,8 @@
         </p:nvSpPr>
         <p:spPr>
           <a:xfrm>
-            <a:off x="722313" y="2906713"/>
-            <a:ext cx="7772400" cy="1500187"/>
+            <a:off x="963084" y="2906713"/>
+            <a:ext cx="10363200" cy="1500187"/>
           </a:xfrm>
         </p:spPr>
         <p:txBody>
@@ -1036,7 +1052,7 @@
           <a:p>
             <a:fld id="{FD6947A2-F02C-424A-9656-916B5CD7DE1B}" type="datetimeFigureOut">
               <a:rPr lang="en-US" smtClean="0"/>
-              <a:t>4/17/2019</a:t>
+              <a:t>4/7/2020</a:t>
             </a:fld>
             <a:endParaRPr lang="en-US"/>
           </a:p>
@@ -1144,8 +1160,8 @@
         </p:nvSpPr>
         <p:spPr>
           <a:xfrm>
-            <a:off x="457200" y="1600200"/>
-            <a:ext cx="4038600" cy="4525963"/>
+            <a:off x="609600" y="1600201"/>
+            <a:ext cx="5384800" cy="4525963"/>
           </a:xfrm>
         </p:spPr>
         <p:txBody>
@@ -1229,8 +1245,8 @@
         </p:nvSpPr>
         <p:spPr>
           <a:xfrm>
-            <a:off x="4648200" y="1600200"/>
-            <a:ext cx="4038600" cy="4525963"/>
+            <a:off x="6197600" y="1600201"/>
+            <a:ext cx="5384800" cy="4525963"/>
           </a:xfrm>
         </p:spPr>
         <p:txBody>
@@ -1319,7 +1335,7 @@
           <a:p>
             <a:fld id="{FD6947A2-F02C-424A-9656-916B5CD7DE1B}" type="datetimeFigureOut">
               <a:rPr lang="en-US" smtClean="0"/>
-              <a:t>4/17/2019</a:t>
+              <a:t>4/7/2020</a:t>
             </a:fld>
             <a:endParaRPr lang="en-US"/>
           </a:p>
@@ -1431,8 +1447,8 @@
         </p:nvSpPr>
         <p:spPr>
           <a:xfrm>
-            <a:off x="457200" y="1535113"/>
-            <a:ext cx="4040188" cy="639762"/>
+            <a:off x="609600" y="1535113"/>
+            <a:ext cx="5386917" cy="639762"/>
           </a:xfrm>
         </p:spPr>
         <p:txBody>
@@ -1496,8 +1512,8 @@
         </p:nvSpPr>
         <p:spPr>
           <a:xfrm>
-            <a:off x="457200" y="2174875"/>
-            <a:ext cx="4040188" cy="3951288"/>
+            <a:off x="609600" y="2174875"/>
+            <a:ext cx="5386917" cy="3951288"/>
           </a:xfrm>
         </p:spPr>
         <p:txBody>
@@ -1581,8 +1597,8 @@
         </p:nvSpPr>
         <p:spPr>
           <a:xfrm>
-            <a:off x="4645025" y="1535113"/>
-            <a:ext cx="4041775" cy="639762"/>
+            <a:off x="6193368" y="1535113"/>
+            <a:ext cx="5389033" cy="639762"/>
           </a:xfrm>
         </p:spPr>
         <p:txBody>
@@ -1646,8 +1662,8 @@
         </p:nvSpPr>
         <p:spPr>
           <a:xfrm>
-            <a:off x="4645025" y="2174875"/>
-            <a:ext cx="4041775" cy="3951288"/>
+            <a:off x="6193368" y="2174875"/>
+            <a:ext cx="5389033" cy="3951288"/>
           </a:xfrm>
         </p:spPr>
         <p:txBody>
@@ -1736,7 +1752,7 @@
           <a:p>
             <a:fld id="{FD6947A2-F02C-424A-9656-916B5CD7DE1B}" type="datetimeFigureOut">
               <a:rPr lang="en-US" smtClean="0"/>
-              <a:t>4/17/2019</a:t>
+              <a:t>4/7/2020</a:t>
             </a:fld>
             <a:endParaRPr lang="en-US"/>
           </a:p>
@@ -1849,7 +1865,7 @@
           <a:p>
             <a:fld id="{FD6947A2-F02C-424A-9656-916B5CD7DE1B}" type="datetimeFigureOut">
               <a:rPr lang="en-US" smtClean="0"/>
-              <a:t>4/17/2019</a:t>
+              <a:t>4/7/2020</a:t>
             </a:fld>
             <a:endParaRPr lang="en-US"/>
           </a:p>
@@ -1939,7 +1955,7 @@
           <a:p>
             <a:fld id="{FD6947A2-F02C-424A-9656-916B5CD7DE1B}" type="datetimeFigureOut">
               <a:rPr lang="en-US" smtClean="0"/>
-              <a:t>4/17/2019</a:t>
+              <a:t>4/7/2020</a:t>
             </a:fld>
             <a:endParaRPr lang="en-US"/>
           </a:p>
@@ -2024,8 +2040,8 @@
         </p:nvSpPr>
         <p:spPr>
           <a:xfrm>
-            <a:off x="457200" y="273050"/>
-            <a:ext cx="3008313" cy="1162050"/>
+            <a:off x="609601" y="273050"/>
+            <a:ext cx="4011084" cy="1162050"/>
           </a:xfrm>
         </p:spPr>
         <p:txBody>
@@ -2056,8 +2072,8 @@
         </p:nvSpPr>
         <p:spPr>
           <a:xfrm>
-            <a:off x="3575050" y="273050"/>
-            <a:ext cx="5111750" cy="5853113"/>
+            <a:off x="4766733" y="273051"/>
+            <a:ext cx="6815667" cy="5853113"/>
           </a:xfrm>
         </p:spPr>
         <p:txBody>
@@ -2141,8 +2157,8 @@
         </p:nvSpPr>
         <p:spPr>
           <a:xfrm>
-            <a:off x="457200" y="1435100"/>
-            <a:ext cx="3008313" cy="4691063"/>
+            <a:off x="609601" y="1435101"/>
+            <a:ext cx="4011084" cy="4691063"/>
           </a:xfrm>
         </p:spPr>
         <p:txBody>
@@ -2211,7 +2227,7 @@
           <a:p>
             <a:fld id="{FD6947A2-F02C-424A-9656-916B5CD7DE1B}" type="datetimeFigureOut">
               <a:rPr lang="en-US" smtClean="0"/>
-              <a:t>4/17/2019</a:t>
+              <a:t>4/7/2020</a:t>
             </a:fld>
             <a:endParaRPr lang="en-US"/>
           </a:p>
@@ -2296,8 +2312,8 @@
         </p:nvSpPr>
         <p:spPr>
           <a:xfrm>
-            <a:off x="1792288" y="4800600"/>
-            <a:ext cx="5486400" cy="566738"/>
+            <a:off x="2389717" y="4800600"/>
+            <a:ext cx="7315200" cy="566738"/>
           </a:xfrm>
         </p:spPr>
         <p:txBody>
@@ -2328,8 +2344,8 @@
         </p:nvSpPr>
         <p:spPr>
           <a:xfrm>
-            <a:off x="1792288" y="612775"/>
-            <a:ext cx="5486400" cy="4114800"/>
+            <a:off x="2389717" y="612775"/>
+            <a:ext cx="7315200" cy="4114800"/>
           </a:xfrm>
         </p:spPr>
         <p:txBody>
@@ -2393,8 +2409,8 @@
         </p:nvSpPr>
         <p:spPr>
           <a:xfrm>
-            <a:off x="1792288" y="5367338"/>
-            <a:ext cx="5486400" cy="804862"/>
+            <a:off x="2389717" y="5367338"/>
+            <a:ext cx="7315200" cy="804862"/>
           </a:xfrm>
         </p:spPr>
         <p:txBody>
@@ -2463,7 +2479,7 @@
           <a:p>
             <a:fld id="{FD6947A2-F02C-424A-9656-916B5CD7DE1B}" type="datetimeFigureOut">
               <a:rPr lang="en-US" smtClean="0"/>
-              <a:t>4/17/2019</a:t>
+              <a:t>4/7/2020</a:t>
             </a:fld>
             <a:endParaRPr lang="en-US"/>
           </a:p>
@@ -2558,8 +2574,8 @@
         </p:nvSpPr>
         <p:spPr>
           <a:xfrm>
-            <a:off x="457200" y="274638"/>
-            <a:ext cx="8229600" cy="1143000"/>
+            <a:off x="609600" y="274638"/>
+            <a:ext cx="10972800" cy="1143000"/>
           </a:xfrm>
           <a:prstGeom prst="rect">
             <a:avLst/>
@@ -2591,8 +2607,8 @@
         </p:nvSpPr>
         <p:spPr>
           <a:xfrm>
-            <a:off x="457200" y="1600200"/>
-            <a:ext cx="8229600" cy="4525963"/>
+            <a:off x="609600" y="1600201"/>
+            <a:ext cx="10972800" cy="4525963"/>
           </a:xfrm>
           <a:prstGeom prst="rect">
             <a:avLst/>
@@ -2653,8 +2669,8 @@
         </p:nvSpPr>
         <p:spPr>
           <a:xfrm>
-            <a:off x="457200" y="6356350"/>
-            <a:ext cx="2133600" cy="365125"/>
+            <a:off x="609600" y="6356351"/>
+            <a:ext cx="2844800" cy="365125"/>
           </a:xfrm>
           <a:prstGeom prst="rect">
             <a:avLst/>
@@ -2676,7 +2692,7 @@
           <a:p>
             <a:fld id="{FD6947A2-F02C-424A-9656-916B5CD7DE1B}" type="datetimeFigureOut">
               <a:rPr lang="en-US" smtClean="0"/>
-              <a:t>4/17/2019</a:t>
+              <a:t>4/7/2020</a:t>
             </a:fld>
             <a:endParaRPr lang="en-US"/>
           </a:p>
@@ -2694,8 +2710,8 @@
         </p:nvSpPr>
         <p:spPr>
           <a:xfrm>
-            <a:off x="3124200" y="6356350"/>
-            <a:ext cx="2895600" cy="365125"/>
+            <a:off x="4165600" y="6356351"/>
+            <a:ext cx="3860800" cy="365125"/>
           </a:xfrm>
           <a:prstGeom prst="rect">
             <a:avLst/>
@@ -2731,8 +2747,8 @@
         </p:nvSpPr>
         <p:spPr>
           <a:xfrm>
-            <a:off x="6553200" y="6356350"/>
-            <a:ext cx="2133600" cy="365125"/>
+            <a:off x="8737600" y="6356351"/>
+            <a:ext cx="2844800" cy="365125"/>
           </a:xfrm>
           <a:prstGeom prst="rect">
             <a:avLst/>
@@ -3058,11 +3074,13 @@
         </p:nvSpPr>
         <p:spPr/>
         <p:txBody>
-          <a:bodyPr/>
-          <a:lstStyle/>
-          <a:p>
-            <a:r>
-              <a:rPr lang="zh-CN" altLang="en-US" b="1" dirty="0" smtClean="0">
+          <a:bodyPr>
+            <a:normAutofit/>
+          </a:bodyPr>
+          <a:lstStyle/>
+          <a:p>
+            <a:r>
+              <a:rPr lang="zh-CN" altLang="en-US" sz="4800" b="1" dirty="0" smtClean="0">
                 <a:solidFill>
                   <a:srgbClr val="002060"/>
                 </a:solidFill>
@@ -3071,7 +3089,7 @@
               </a:rPr>
               <a:t>為我</a:t>
             </a:r>
-            <a:endParaRPr lang="en-US" b="1" dirty="0">
+            <a:endParaRPr lang="en-US" sz="4800" b="1" dirty="0">
               <a:solidFill>
                 <a:srgbClr val="002060"/>
               </a:solidFill>
@@ -3131,8 +3149,20 @@
                 <a:latin typeface="Microsoft JhengHei" pitchFamily="34" charset="-120"/>
                 <a:ea typeface="Microsoft JhengHei" pitchFamily="34" charset="-120"/>
               </a:rPr>
-              <a:t>亂</a:t>
-            </a:r>
+              <a:t>亂民呼喊之聲 </a:t>
+            </a:r>
+            <a:endParaRPr lang="en-US" altLang="zh-TW" sz="5400" b="1" dirty="0">
+              <a:solidFill>
+                <a:srgbClr val="002060"/>
+              </a:solidFill>
+              <a:latin typeface="Microsoft JhengHei" pitchFamily="34" charset="-120"/>
+              <a:ea typeface="Microsoft JhengHei" pitchFamily="34" charset="-120"/>
+            </a:endParaRPr>
+          </a:p>
+          <a:p>
+            <a:pPr marL="0" indent="0" algn="ctr">
+              <a:buNone/>
+            </a:pPr>
             <a:r>
               <a:rPr lang="zh-TW" altLang="en-US" sz="5400" b="1" dirty="0">
                 <a:solidFill>
@@ -3141,7 +3171,37 @@
                 <a:latin typeface="Microsoft JhengHei" pitchFamily="34" charset="-120"/>
                 <a:ea typeface="Microsoft JhengHei" pitchFamily="34" charset="-120"/>
               </a:rPr>
-              <a:t>民呼喊之聲 </a:t>
+              <a:t>神子城外</a:t>
+            </a:r>
+            <a:r>
+              <a:rPr lang="zh-TW" altLang="en-US" sz="5400" b="1" dirty="0">
+                <a:solidFill>
+                  <a:srgbClr val="002060"/>
+                </a:solidFill>
+                <a:latin typeface="Microsoft JhengHei" pitchFamily="34" charset="-120"/>
+                <a:ea typeface="Microsoft JhengHei" pitchFamily="34" charset="-120"/>
+              </a:rPr>
+              <a:t>捨</a:t>
+            </a:r>
+            <a:r>
+              <a:rPr lang="zh-CN" altLang="en-US" sz="5400" b="1" dirty="0">
+                <a:solidFill>
+                  <a:srgbClr val="002060"/>
+                </a:solidFill>
+                <a:latin typeface="Microsoft JhengHei" pitchFamily="34" charset="-120"/>
+                <a:ea typeface="Microsoft JhengHei" pitchFamily="34" charset="-120"/>
+              </a:rPr>
+              <a:t>身</a:t>
+            </a:r>
+            <a:r>
+              <a:rPr lang="zh-TW" altLang="en-US" sz="5400" b="1" dirty="0">
+                <a:solidFill>
+                  <a:srgbClr val="002060"/>
+                </a:solidFill>
+                <a:latin typeface="Microsoft JhengHei" pitchFamily="34" charset="-120"/>
+                <a:ea typeface="Microsoft JhengHei" pitchFamily="34" charset="-120"/>
+              </a:rPr>
+              <a:t> </a:t>
             </a:r>
             <a:endParaRPr lang="en-US" altLang="zh-TW" sz="5400" b="1" dirty="0">
               <a:solidFill>
@@ -3163,49 +3223,7 @@
                 <a:latin typeface="Microsoft JhengHei" pitchFamily="34" charset="-120"/>
                 <a:ea typeface="Microsoft JhengHei" pitchFamily="34" charset="-120"/>
               </a:rPr>
-              <a:t>神</a:t>
-            </a:r>
-            <a:r>
-              <a:rPr lang="zh-TW" altLang="en-US" sz="5400" b="1" dirty="0">
-                <a:solidFill>
-                  <a:srgbClr val="002060"/>
-                </a:solidFill>
-                <a:latin typeface="Microsoft JhengHei" pitchFamily="34" charset="-120"/>
-                <a:ea typeface="Microsoft JhengHei" pitchFamily="34" charset="-120"/>
-              </a:rPr>
-              <a:t>子城外捨生 </a:t>
-            </a:r>
-            <a:endParaRPr lang="en-US" altLang="zh-TW" sz="5400" b="1" dirty="0">
-              <a:solidFill>
-                <a:srgbClr val="002060"/>
-              </a:solidFill>
-              <a:latin typeface="Microsoft JhengHei" pitchFamily="34" charset="-120"/>
-              <a:ea typeface="Microsoft JhengHei" pitchFamily="34" charset="-120"/>
-            </a:endParaRPr>
-          </a:p>
-          <a:p>
-            <a:pPr marL="0" indent="0" algn="ctr">
-              <a:buNone/>
-            </a:pPr>
-            <a:r>
-              <a:rPr lang="zh-TW" altLang="en-US" sz="5400" b="1" dirty="0">
-                <a:solidFill>
-                  <a:srgbClr val="002060"/>
-                </a:solidFill>
-                <a:latin typeface="Microsoft JhengHei" pitchFamily="34" charset="-120"/>
-                <a:ea typeface="Microsoft JhengHei" pitchFamily="34" charset="-120"/>
-              </a:rPr>
-              <a:t>為我   為我   為</a:t>
-            </a:r>
-            <a:r>
-              <a:rPr lang="zh-TW" altLang="en-US" sz="5400" b="1" dirty="0">
-                <a:solidFill>
-                  <a:srgbClr val="002060"/>
-                </a:solidFill>
-                <a:latin typeface="Microsoft JhengHei" pitchFamily="34" charset="-120"/>
-                <a:ea typeface="Microsoft JhengHei" pitchFamily="34" charset="-120"/>
-              </a:rPr>
-              <a:t>我</a:t>
+              <a:t>為我   為我   為我</a:t>
             </a:r>
             <a:endParaRPr lang="en-US" sz="5400" b="1" dirty="0">
               <a:solidFill>
@@ -3259,11 +3277,13 @@
         </p:nvSpPr>
         <p:spPr/>
         <p:txBody>
-          <a:bodyPr/>
-          <a:lstStyle/>
-          <a:p>
-            <a:r>
-              <a:rPr lang="zh-CN" altLang="en-US" b="1" dirty="0" smtClean="0">
+          <a:bodyPr>
+            <a:normAutofit/>
+          </a:bodyPr>
+          <a:lstStyle/>
+          <a:p>
+            <a:r>
+              <a:rPr lang="zh-CN" altLang="en-US" sz="4800" b="1" dirty="0">
                 <a:solidFill>
                   <a:srgbClr val="002060"/>
                 </a:solidFill>
@@ -3272,7 +3292,7 @@
               </a:rPr>
               <a:t>為我</a:t>
             </a:r>
-            <a:endParaRPr lang="en-US" b="1" dirty="0">
+            <a:endParaRPr lang="en-US" sz="4800" b="1" dirty="0">
               <a:solidFill>
                 <a:srgbClr val="002060"/>
               </a:solidFill>
@@ -3332,8 +3352,20 @@
                 <a:latin typeface="Microsoft JhengHei" pitchFamily="34" charset="-120"/>
                 <a:ea typeface="Microsoft JhengHei" pitchFamily="34" charset="-120"/>
               </a:rPr>
-              <a:t>血</a:t>
-            </a:r>
+              <a:t>血汗下流滿面 </a:t>
+            </a:r>
+            <a:endParaRPr lang="en-US" altLang="zh-TW" sz="5400" b="1" dirty="0">
+              <a:solidFill>
+                <a:srgbClr val="002060"/>
+              </a:solidFill>
+              <a:latin typeface="Microsoft JhengHei" pitchFamily="34" charset="-120"/>
+              <a:ea typeface="Microsoft JhengHei" pitchFamily="34" charset="-120"/>
+            </a:endParaRPr>
+          </a:p>
+          <a:p>
+            <a:pPr marL="0" indent="0" algn="ctr">
+              <a:buNone/>
+            </a:pPr>
             <a:r>
               <a:rPr lang="zh-TW" altLang="en-US" sz="5400" b="1" dirty="0">
                 <a:solidFill>
@@ -3342,7 +3374,7 @@
                 <a:latin typeface="Microsoft JhengHei" pitchFamily="34" charset="-120"/>
                 <a:ea typeface="Microsoft JhengHei" pitchFamily="34" charset="-120"/>
               </a:rPr>
-              <a:t>汗下流滿面 </a:t>
+              <a:t>擔負十架在肩 </a:t>
             </a:r>
             <a:endParaRPr lang="en-US" altLang="zh-TW" sz="5400" b="1" dirty="0">
               <a:solidFill>
@@ -3364,49 +3396,7 @@
                 <a:latin typeface="Microsoft JhengHei" pitchFamily="34" charset="-120"/>
                 <a:ea typeface="Microsoft JhengHei" pitchFamily="34" charset="-120"/>
               </a:rPr>
-              <a:t>擔</a:t>
-            </a:r>
-            <a:r>
-              <a:rPr lang="zh-TW" altLang="en-US" sz="5400" b="1" dirty="0">
-                <a:solidFill>
-                  <a:srgbClr val="002060"/>
-                </a:solidFill>
-                <a:latin typeface="Microsoft JhengHei" pitchFamily="34" charset="-120"/>
-                <a:ea typeface="Microsoft JhengHei" pitchFamily="34" charset="-120"/>
-              </a:rPr>
-              <a:t>負十架在肩 </a:t>
-            </a:r>
-            <a:endParaRPr lang="en-US" altLang="zh-TW" sz="5400" b="1" dirty="0">
-              <a:solidFill>
-                <a:srgbClr val="002060"/>
-              </a:solidFill>
-              <a:latin typeface="Microsoft JhengHei" pitchFamily="34" charset="-120"/>
-              <a:ea typeface="Microsoft JhengHei" pitchFamily="34" charset="-120"/>
-            </a:endParaRPr>
-          </a:p>
-          <a:p>
-            <a:pPr marL="0" indent="0" algn="ctr">
-              <a:buNone/>
-            </a:pPr>
-            <a:r>
-              <a:rPr lang="zh-TW" altLang="en-US" sz="5400" b="1" dirty="0">
-                <a:solidFill>
-                  <a:srgbClr val="002060"/>
-                </a:solidFill>
-                <a:latin typeface="Microsoft JhengHei" pitchFamily="34" charset="-120"/>
-                <a:ea typeface="Microsoft JhengHei" pitchFamily="34" charset="-120"/>
-              </a:rPr>
-              <a:t>為我   為我   為</a:t>
-            </a:r>
-            <a:r>
-              <a:rPr lang="zh-TW" altLang="en-US" sz="5400" b="1" dirty="0">
-                <a:solidFill>
-                  <a:srgbClr val="002060"/>
-                </a:solidFill>
-                <a:latin typeface="Microsoft JhengHei" pitchFamily="34" charset="-120"/>
-                <a:ea typeface="Microsoft JhengHei" pitchFamily="34" charset="-120"/>
-              </a:rPr>
-              <a:t>我</a:t>
+              <a:t>為我   為我   為我</a:t>
             </a:r>
             <a:endParaRPr lang="en-US" sz="5400" b="1" dirty="0">
               <a:solidFill>
@@ -3460,11 +3450,13 @@
         </p:nvSpPr>
         <p:spPr/>
         <p:txBody>
-          <a:bodyPr/>
-          <a:lstStyle/>
-          <a:p>
-            <a:r>
-              <a:rPr lang="zh-CN" altLang="en-US" b="1" dirty="0" smtClean="0">
+          <a:bodyPr>
+            <a:normAutofit/>
+          </a:bodyPr>
+          <a:lstStyle/>
+          <a:p>
+            <a:r>
+              <a:rPr lang="zh-CN" altLang="en-US" sz="4800" b="1" dirty="0">
                 <a:solidFill>
                   <a:srgbClr val="002060"/>
                 </a:solidFill>
@@ -3473,7 +3465,7 @@
               </a:rPr>
               <a:t>為我</a:t>
             </a:r>
-            <a:endParaRPr lang="en-US" b="1" dirty="0">
+            <a:endParaRPr lang="en-US" sz="4800" b="1" dirty="0">
               <a:solidFill>
                 <a:srgbClr val="002060"/>
               </a:solidFill>
@@ -3533,8 +3525,20 @@
                 <a:latin typeface="Microsoft JhengHei" pitchFamily="34" charset="-120"/>
                 <a:ea typeface="Microsoft JhengHei" pitchFamily="34" charset="-120"/>
               </a:rPr>
-              <a:t>照</a:t>
-            </a:r>
+              <a:t>照神旨意完成 </a:t>
+            </a:r>
+            <a:endParaRPr lang="en-US" altLang="zh-TW" sz="5400" b="1" dirty="0">
+              <a:solidFill>
+                <a:srgbClr val="002060"/>
+              </a:solidFill>
+              <a:latin typeface="Microsoft JhengHei" pitchFamily="34" charset="-120"/>
+              <a:ea typeface="Microsoft JhengHei" pitchFamily="34" charset="-120"/>
+            </a:endParaRPr>
+          </a:p>
+          <a:p>
+            <a:pPr marL="0" indent="0" algn="ctr">
+              <a:buNone/>
+            </a:pPr>
             <a:r>
               <a:rPr lang="zh-TW" altLang="en-US" sz="5400" b="1" dirty="0">
                 <a:solidFill>
@@ -3543,7 +3547,7 @@
                 <a:latin typeface="Microsoft JhengHei" pitchFamily="34" charset="-120"/>
                 <a:ea typeface="Microsoft JhengHei" pitchFamily="34" charset="-120"/>
               </a:rPr>
-              <a:t>神旨意完成 </a:t>
+              <a:t>袮今情願捨命 </a:t>
             </a:r>
             <a:endParaRPr lang="en-US" altLang="zh-TW" sz="5400" b="1" dirty="0">
               <a:solidFill>
@@ -3565,49 +3569,7 @@
                 <a:latin typeface="Microsoft JhengHei" pitchFamily="34" charset="-120"/>
                 <a:ea typeface="Microsoft JhengHei" pitchFamily="34" charset="-120"/>
               </a:rPr>
-              <a:t>袮</a:t>
-            </a:r>
-            <a:r>
-              <a:rPr lang="zh-TW" altLang="en-US" sz="5400" b="1" dirty="0">
-                <a:solidFill>
-                  <a:srgbClr val="002060"/>
-                </a:solidFill>
-                <a:latin typeface="Microsoft JhengHei" pitchFamily="34" charset="-120"/>
-                <a:ea typeface="Microsoft JhengHei" pitchFamily="34" charset="-120"/>
-              </a:rPr>
-              <a:t>今情願捨命 </a:t>
-            </a:r>
-            <a:endParaRPr lang="en-US" altLang="zh-TW" sz="5400" b="1" dirty="0">
-              <a:solidFill>
-                <a:srgbClr val="002060"/>
-              </a:solidFill>
-              <a:latin typeface="Microsoft JhengHei" pitchFamily="34" charset="-120"/>
-              <a:ea typeface="Microsoft JhengHei" pitchFamily="34" charset="-120"/>
-            </a:endParaRPr>
-          </a:p>
-          <a:p>
-            <a:pPr marL="0" indent="0" algn="ctr">
-              <a:buNone/>
-            </a:pPr>
-            <a:r>
-              <a:rPr lang="zh-TW" altLang="en-US" sz="5400" b="1" dirty="0">
-                <a:solidFill>
-                  <a:srgbClr val="002060"/>
-                </a:solidFill>
-                <a:latin typeface="Microsoft JhengHei" pitchFamily="34" charset="-120"/>
-                <a:ea typeface="Microsoft JhengHei" pitchFamily="34" charset="-120"/>
-              </a:rPr>
-              <a:t>為我   為我   為</a:t>
-            </a:r>
-            <a:r>
-              <a:rPr lang="zh-TW" altLang="en-US" sz="5400" b="1" dirty="0">
-                <a:solidFill>
-                  <a:srgbClr val="002060"/>
-                </a:solidFill>
-                <a:latin typeface="Microsoft JhengHei" pitchFamily="34" charset="-120"/>
-                <a:ea typeface="Microsoft JhengHei" pitchFamily="34" charset="-120"/>
-              </a:rPr>
-              <a:t>我</a:t>
+              <a:t>為我   為我   為我</a:t>
             </a:r>
             <a:endParaRPr lang="en-US" sz="5400" b="1" dirty="0">
               <a:solidFill>
